--- a/presentation.pptx
+++ b/presentation.pptx
@@ -19,9 +19,8 @@
     <p:sldId id="279" r:id="rId13"/>
     <p:sldId id="280" r:id="rId14"/>
     <p:sldId id="275" r:id="rId15"/>
-    <p:sldId id="276" r:id="rId16"/>
-    <p:sldId id="281" r:id="rId17"/>
-    <p:sldId id="277" r:id="rId18"/>
+    <p:sldId id="281" r:id="rId16"/>
+    <p:sldId id="277" r:id="rId17"/>
   </p:sldIdLst>
   <p:sldSz cx="9144000" cy="5143500" type="screen16x9"/>
   <p:notesSz cx="6858000" cy="9144000"/>
@@ -6210,17 +6209,19 @@
       </p:sp>
       <p:pic>
         <p:nvPicPr>
-          <p:cNvPr id="7" name="Picture 6">
+          <p:cNvPr id="4" name="Content Placeholder 26">
             <a:extLst>
               <a:ext uri="{FF2B5EF4-FFF2-40B4-BE49-F238E27FC236}">
-                <a16:creationId xmlns:a16="http://schemas.microsoft.com/office/drawing/2014/main" id="{BE6E4F67-0303-4B57-9C7A-F2A720A766B8}"/>
+                <a16:creationId xmlns:a16="http://schemas.microsoft.com/office/drawing/2014/main" id="{6A3E10C9-7016-3842-B657-B2D91A315FE1}"/>
               </a:ext>
             </a:extLst>
           </p:cNvPr>
           <p:cNvPicPr>
-            <a:picLocks noChangeAspect="1"/>
+            <a:picLocks noGrp="1" noChangeAspect="1"/>
           </p:cNvPicPr>
-          <p:nvPr/>
+          <p:nvPr>
+            <p:ph idx="1"/>
+          </p:nvPr>
         </p:nvPicPr>
         <p:blipFill>
           <a:blip r:embed="rId2"/>
@@ -6230,8 +6231,8 @@
         </p:blipFill>
         <p:spPr>
           <a:xfrm>
-            <a:off x="1994794" y="1526055"/>
-            <a:ext cx="5154412" cy="3266881"/>
+            <a:off x="2214034" y="1342862"/>
+            <a:ext cx="5040671" cy="2918076"/>
           </a:xfrm>
           <a:prstGeom prst="rect">
             <a:avLst/>
@@ -6303,83 +6304,160 @@
           </a:p>
         </p:txBody>
       </p:sp>
-      <p:sp>
-        <p:nvSpPr>
-          <p:cNvPr id="3" name="Content Placeholder 2">
-            <a:extLst>
-              <a:ext uri="{FF2B5EF4-FFF2-40B4-BE49-F238E27FC236}">
-                <a16:creationId xmlns:a16="http://schemas.microsoft.com/office/drawing/2014/main" id="{ADCD5E77-F4DB-7348-9AC9-CDA027F290DE}"/>
-              </a:ext>
-            </a:extLst>
-          </p:cNvPr>
-          <p:cNvSpPr>
-            <a:spLocks noGrp="1"/>
-          </p:cNvSpPr>
-          <p:nvPr>
-            <p:ph idx="1"/>
-          </p:nvPr>
-        </p:nvSpPr>
-        <p:spPr>
-          <a:xfrm>
-            <a:off x="1279547" y="1431236"/>
-            <a:ext cx="6584634" cy="2910176"/>
-          </a:xfrm>
-        </p:spPr>
-        <p:txBody>
-          <a:bodyPr anchor="ctr">
-            <a:normAutofit/>
-          </a:bodyPr>
-          <a:lstStyle/>
-          <a:p>
-            <a:r>
-              <a:rPr lang="fr-FR" dirty="0">
-                <a:solidFill>
-                  <a:srgbClr val="404040"/>
-                </a:solidFill>
-              </a:rPr>
-              <a:t>2 solutions implémentées :</a:t>
-            </a:r>
-          </a:p>
-          <a:p>
-            <a:pPr lvl="1"/>
-            <a:r>
-              <a:rPr lang="fr-FR" dirty="0">
-                <a:solidFill>
-                  <a:srgbClr val="404040"/>
-                </a:solidFill>
-              </a:rPr>
-              <a:t>Borne naïve : Somme des coûts des manœuvres les moins chères</a:t>
-            </a:r>
-          </a:p>
-          <a:p>
-            <a:pPr lvl="1"/>
-            <a:r>
-              <a:rPr lang="fr-FR" dirty="0">
-                <a:solidFill>
-                  <a:srgbClr val="404040"/>
-                </a:solidFill>
-              </a:rPr>
-              <a:t>Borne « </a:t>
-            </a:r>
-            <a:r>
-              <a:rPr lang="fr-FR" i="1" dirty="0" err="1">
-                <a:solidFill>
-                  <a:srgbClr val="404040"/>
-                </a:solidFill>
-              </a:rPr>
-              <a:t>mij</a:t>
-            </a:r>
-            <a:r>
-              <a:rPr lang="fr-FR" dirty="0">
-                <a:solidFill>
-                  <a:srgbClr val="404040"/>
-                </a:solidFill>
-              </a:rPr>
-              <a:t> » : Somme des coûts des couples de manœuvres les moins chers</a:t>
-            </a:r>
-          </a:p>
-        </p:txBody>
-      </p:sp>
+      <mc:AlternateContent xmlns:mc="http://schemas.openxmlformats.org/markup-compatibility/2006">
+        <mc:Choice xmlns:a14="http://schemas.microsoft.com/office/drawing/2010/main" Requires="a14">
+          <p:sp>
+            <p:nvSpPr>
+              <p:cNvPr id="3" name="Content Placeholder 2">
+                <a:extLst>
+                  <a:ext uri="{FF2B5EF4-FFF2-40B4-BE49-F238E27FC236}">
+                    <a16:creationId xmlns:a16="http://schemas.microsoft.com/office/drawing/2014/main" id="{ADCD5E77-F4DB-7348-9AC9-CDA027F290DE}"/>
+                  </a:ext>
+                </a:extLst>
+              </p:cNvPr>
+              <p:cNvSpPr>
+                <a:spLocks noGrp="1"/>
+              </p:cNvSpPr>
+              <p:nvPr>
+                <p:ph idx="1"/>
+              </p:nvPr>
+            </p:nvSpPr>
+            <p:spPr>
+              <a:xfrm>
+                <a:off x="1279547" y="1431236"/>
+                <a:ext cx="6584634" cy="2910176"/>
+              </a:xfrm>
+            </p:spPr>
+            <p:txBody>
+              <a:bodyPr anchor="ctr">
+                <a:normAutofit/>
+              </a:bodyPr>
+              <a:lstStyle/>
+              <a:p>
+                <a:r>
+                  <a:rPr lang="fr-FR" dirty="0">
+                    <a:solidFill>
+                      <a:srgbClr val="404040"/>
+                    </a:solidFill>
+                  </a:rPr>
+                  <a:t>2 solutions implémentées :</a:t>
+                </a:r>
+              </a:p>
+              <a:p>
+                <a:pPr lvl="1"/>
+                <a:r>
+                  <a:rPr lang="fr-FR" dirty="0">
+                    <a:solidFill>
+                      <a:srgbClr val="404040"/>
+                    </a:solidFill>
+                  </a:rPr>
+                  <a:t>Borne naïve : Somme des coûts des manœuvres les moins chères</a:t>
+                </a:r>
+              </a:p>
+              <a:p>
+                <a:pPr lvl="1"/>
+                <a:r>
+                  <a:rPr lang="fr-FR" dirty="0">
+                    <a:solidFill>
+                      <a:srgbClr val="404040"/>
+                    </a:solidFill>
+                  </a:rPr>
+                  <a:t>Borne « </a:t>
+                </a:r>
+                <a14:m>
+                  <m:oMath xmlns:m="http://schemas.openxmlformats.org/officeDocument/2006/math">
+                    <m:sSub>
+                      <m:sSubPr>
+                        <m:ctrlPr>
+                          <a:rPr lang="fr-FR" i="1" smtClean="0">
+                            <a:solidFill>
+                              <a:srgbClr val="404040"/>
+                            </a:solidFill>
+                            <a:latin typeface="Cambria Math" panose="02040503050406030204" pitchFamily="18" charset="0"/>
+                          </a:rPr>
+                        </m:ctrlPr>
+                      </m:sSubPr>
+                      <m:e>
+                        <m:r>
+                          <a:rPr lang="fr-FR" b="0" i="1" smtClean="0">
+                            <a:solidFill>
+                              <a:srgbClr val="404040"/>
+                            </a:solidFill>
+                            <a:latin typeface="Cambria Math" panose="02040503050406030204" pitchFamily="18" charset="0"/>
+                          </a:rPr>
+                          <m:t>𝑚</m:t>
+                        </m:r>
+                      </m:e>
+                      <m:sub>
+                        <m:r>
+                          <a:rPr lang="fr-FR" b="0" i="1" smtClean="0">
+                            <a:solidFill>
+                              <a:srgbClr val="404040"/>
+                            </a:solidFill>
+                            <a:latin typeface="Cambria Math" panose="02040503050406030204" pitchFamily="18" charset="0"/>
+                          </a:rPr>
+                          <m:t>𝑖𝑗</m:t>
+                        </m:r>
+                      </m:sub>
+                    </m:sSub>
+                  </m:oMath>
+                </a14:m>
+                <a:r>
+                  <a:rPr lang="fr-FR" dirty="0">
+                    <a:solidFill>
+                      <a:srgbClr val="404040"/>
+                    </a:solidFill>
+                  </a:rPr>
+                  <a:t> » : Somme des coûts des couples de manœuvres les moins chers</a:t>
+                </a:r>
+              </a:p>
+            </p:txBody>
+          </p:sp>
+        </mc:Choice>
+        <mc:Fallback>
+          <p:sp>
+            <p:nvSpPr>
+              <p:cNvPr id="3" name="Content Placeholder 2">
+                <a:extLst>
+                  <a:ext uri="{FF2B5EF4-FFF2-40B4-BE49-F238E27FC236}">
+                    <a16:creationId xmlns:a16="http://schemas.microsoft.com/office/drawing/2014/main" id="{ADCD5E77-F4DB-7348-9AC9-CDA027F290DE}"/>
+                  </a:ext>
+                </a:extLst>
+              </p:cNvPr>
+              <p:cNvSpPr>
+                <a:spLocks noGrp="1" noRot="1" noChangeAspect="1" noMove="1" noResize="1" noEditPoints="1" noAdjustHandles="1" noChangeArrowheads="1" noChangeShapeType="1" noTextEdit="1"/>
+              </p:cNvSpPr>
+              <p:nvPr>
+                <p:ph idx="1"/>
+              </p:nvPr>
+            </p:nvSpPr>
+            <p:spPr>
+              <a:xfrm>
+                <a:off x="1279547" y="1431236"/>
+                <a:ext cx="6584634" cy="2910176"/>
+              </a:xfrm>
+              <a:blipFill>
+                <a:blip r:embed="rId2"/>
+                <a:stretch>
+                  <a:fillRect l="-2119" r="-1734"/>
+                </a:stretch>
+              </a:blipFill>
+            </p:spPr>
+            <p:txBody>
+              <a:bodyPr/>
+              <a:lstStyle/>
+              <a:p>
+                <a:r>
+                  <a:rPr lang="fr-FR">
+                    <a:noFill/>
+                  </a:rPr>
+                  <a:t> </a:t>
+                </a:r>
+              </a:p>
+            </p:txBody>
+          </p:sp>
+        </mc:Fallback>
+      </mc:AlternateContent>
     </p:spTree>
     <p:extLst>
       <p:ext uri="{BB962C8B-B14F-4D97-AF65-F5344CB8AC3E}">
@@ -6463,83 +6541,73 @@
         </p:nvSpPr>
         <p:spPr>
           <a:xfrm>
-            <a:off x="1279547" y="1718447"/>
+            <a:off x="1279683" y="1492029"/>
             <a:ext cx="6584634" cy="2159442"/>
           </a:xfrm>
         </p:spPr>
         <p:txBody>
           <a:bodyPr>
-            <a:normAutofit fontScale="70000" lnSpcReduction="20000"/>
+            <a:noAutofit/>
           </a:bodyPr>
           <a:lstStyle/>
           <a:p>
             <a:r>
-              <a:rPr lang="fr-FR" sz="2800" dirty="0">
+              <a:rPr lang="fr-FR" sz="2400" dirty="0">
                 <a:solidFill>
                   <a:srgbClr val="404040"/>
                 </a:solidFill>
               </a:rPr>
               <a:t>Mesure du nombre de nœuds explorés en fonction du nombre d’avions</a:t>
+            </a:r>
+          </a:p>
+          <a:p>
+            <a:r>
+              <a:rPr lang="fr-FR" sz="2400" dirty="0">
+                <a:solidFill>
+                  <a:srgbClr val="404040"/>
+                </a:solidFill>
+              </a:rPr>
+              <a:t>Trois paramètres : </a:t>
+            </a:r>
+          </a:p>
+          <a:p>
+            <a:pPr lvl="1"/>
+            <a:r>
+              <a:rPr lang="fr-FR" sz="2400" dirty="0">
+                <a:solidFill>
+                  <a:srgbClr val="404040"/>
+                </a:solidFill>
+              </a:rPr>
+              <a:t>Filtre </a:t>
+            </a:r>
+          </a:p>
+          <a:p>
+            <a:pPr lvl="1"/>
+            <a:r>
+              <a:rPr lang="fr-FR" sz="2400" dirty="0">
+                <a:solidFill>
+                  <a:srgbClr val="404040"/>
+                </a:solidFill>
+              </a:rPr>
+              <a:t>Borne</a:t>
+            </a:r>
+          </a:p>
+          <a:p>
+            <a:pPr lvl="1"/>
+            <a:r>
+              <a:rPr lang="fr-FR" sz="2400" dirty="0">
+                <a:solidFill>
+                  <a:srgbClr val="404040"/>
+                </a:solidFill>
+              </a:rPr>
+              <a:t>Application d’un filtre initial</a:t>
             </a:r>
           </a:p>
           <a:p>
             <a:pPr marL="0" indent="0">
               <a:buNone/>
             </a:pPr>
-            <a:endParaRPr lang="fr-FR" sz="2800" dirty="0">
-              <a:solidFill>
-                <a:srgbClr val="404040"/>
-              </a:solidFill>
-            </a:endParaRPr>
-          </a:p>
-          <a:p>
-            <a:r>
-              <a:rPr lang="fr-FR" sz="2800" dirty="0">
-                <a:solidFill>
-                  <a:srgbClr val="404040"/>
-                </a:solidFill>
-              </a:rPr>
-              <a:t>Trois paramètres : </a:t>
-            </a:r>
-          </a:p>
-          <a:p>
-            <a:pPr lvl="1"/>
-            <a:r>
-              <a:rPr lang="fr-FR" sz="2400" dirty="0">
-                <a:solidFill>
-                  <a:srgbClr val="404040"/>
-                </a:solidFill>
-              </a:rPr>
-              <a:t>Filtre </a:t>
-            </a:r>
-          </a:p>
-          <a:p>
-            <a:pPr lvl="1"/>
-            <a:r>
-              <a:rPr lang="fr-FR" sz="2400" dirty="0">
-                <a:solidFill>
-                  <a:srgbClr val="404040"/>
-                </a:solidFill>
-              </a:rPr>
-              <a:t>Borne</a:t>
-            </a:r>
-          </a:p>
-          <a:p>
-            <a:pPr lvl="1"/>
-            <a:r>
-              <a:rPr lang="fr-FR" sz="2400" dirty="0">
-                <a:solidFill>
-                  <a:srgbClr val="404040"/>
-                </a:solidFill>
-              </a:rPr>
-              <a:t>Choix de l’avion initial</a:t>
-            </a:r>
-          </a:p>
-          <a:p>
-            <a:pPr marL="0" indent="0">
-              <a:buNone/>
-            </a:pPr>
-            <a:endParaRPr lang="fr-FR" sz="2800" dirty="0">
+            <a:endParaRPr lang="fr-FR" sz="2400" dirty="0">
               <a:solidFill>
                 <a:srgbClr val="404040"/>
               </a:solidFill>
@@ -6595,7 +6663,7 @@
         </p:nvSpPr>
         <p:spPr>
           <a:xfrm>
-            <a:off x="838862" y="282388"/>
+            <a:off x="838199" y="256029"/>
             <a:ext cx="8229600" cy="857250"/>
           </a:xfrm>
         </p:spPr>
@@ -6605,181 +6673,7 @@
           <a:p>
             <a:r>
               <a:rPr lang="fr-FR" dirty="0"/>
-              <a:t>III-Evaluation des performances </a:t>
-            </a:r>
-          </a:p>
-        </p:txBody>
-      </p:sp>
-      <p:sp>
-        <p:nvSpPr>
-          <p:cNvPr id="3" name="Content Placeholder 2">
-            <a:extLst>
-              <a:ext uri="{FF2B5EF4-FFF2-40B4-BE49-F238E27FC236}">
-                <a16:creationId xmlns:a16="http://schemas.microsoft.com/office/drawing/2014/main" id="{9596CD04-AA17-4847-A609-39B63F1E5140}"/>
-              </a:ext>
-            </a:extLst>
-          </p:cNvPr>
-          <p:cNvSpPr>
-            <a:spLocks noGrp="1"/>
-          </p:cNvSpPr>
-          <p:nvPr>
-            <p:ph sz="half" idx="1"/>
-          </p:nvPr>
-        </p:nvSpPr>
-        <p:spPr/>
-        <p:txBody>
-          <a:bodyPr/>
-          <a:lstStyle/>
-          <a:p>
-            <a:r>
-              <a:rPr lang="fr-FR" dirty="0"/>
-              <a:t>Effet de la borne</a:t>
-            </a:r>
-          </a:p>
-        </p:txBody>
-      </p:sp>
-      <p:sp>
-        <p:nvSpPr>
-          <p:cNvPr id="4" name="Content Placeholder 3">
-            <a:extLst>
-              <a:ext uri="{FF2B5EF4-FFF2-40B4-BE49-F238E27FC236}">
-                <a16:creationId xmlns:a16="http://schemas.microsoft.com/office/drawing/2014/main" id="{6F0B911F-1432-D04E-B25B-65C682311E05}"/>
-              </a:ext>
-            </a:extLst>
-          </p:cNvPr>
-          <p:cNvSpPr>
-            <a:spLocks noGrp="1"/>
-          </p:cNvSpPr>
-          <p:nvPr>
-            <p:ph sz="half" idx="2"/>
-          </p:nvPr>
-        </p:nvSpPr>
-        <p:spPr/>
-        <p:txBody>
-          <a:bodyPr/>
-          <a:lstStyle/>
-          <a:p>
-            <a:r>
-              <a:rPr lang="fr-FR" dirty="0"/>
-              <a:t>Effet du filtre</a:t>
-            </a:r>
-          </a:p>
-        </p:txBody>
-      </p:sp>
-      <p:pic>
-        <p:nvPicPr>
-          <p:cNvPr id="6" name="Picture 5">
-            <a:extLst>
-              <a:ext uri="{FF2B5EF4-FFF2-40B4-BE49-F238E27FC236}">
-                <a16:creationId xmlns:a16="http://schemas.microsoft.com/office/drawing/2014/main" id="{764B36A1-32A0-9E4E-BA9A-5D9BAC5ECCEC}"/>
-              </a:ext>
-            </a:extLst>
-          </p:cNvPr>
-          <p:cNvPicPr>
-            <a:picLocks noChangeAspect="1"/>
-          </p:cNvPicPr>
-          <p:nvPr/>
-        </p:nvPicPr>
-        <p:blipFill>
-          <a:blip r:embed="rId2"/>
-          <a:stretch>
-            <a:fillRect/>
-          </a:stretch>
-        </p:blipFill>
-        <p:spPr>
-          <a:xfrm>
-            <a:off x="457200" y="1883657"/>
-            <a:ext cx="3711388" cy="2418280"/>
-          </a:xfrm>
-          <a:prstGeom prst="rect">
-            <a:avLst/>
-          </a:prstGeom>
-        </p:spPr>
-      </p:pic>
-      <p:pic>
-        <p:nvPicPr>
-          <p:cNvPr id="8" name="Picture 7">
-            <a:extLst>
-              <a:ext uri="{FF2B5EF4-FFF2-40B4-BE49-F238E27FC236}">
-                <a16:creationId xmlns:a16="http://schemas.microsoft.com/office/drawing/2014/main" id="{E7D91612-AC61-FE4E-9715-E07DD2FCA23A}"/>
-              </a:ext>
-            </a:extLst>
-          </p:cNvPr>
-          <p:cNvPicPr>
-            <a:picLocks noChangeAspect="1"/>
-          </p:cNvPicPr>
-          <p:nvPr/>
-        </p:nvPicPr>
-        <p:blipFill>
-          <a:blip r:embed="rId3"/>
-          <a:stretch>
-            <a:fillRect/>
-          </a:stretch>
-        </p:blipFill>
-        <p:spPr>
-          <a:xfrm>
-            <a:off x="4696198" y="1936375"/>
-            <a:ext cx="3942603" cy="2365562"/>
-          </a:xfrm>
-          <a:prstGeom prst="rect">
-            <a:avLst/>
-          </a:prstGeom>
-        </p:spPr>
-      </p:pic>
-    </p:spTree>
-    <p:extLst>
-      <p:ext uri="{BB962C8B-B14F-4D97-AF65-F5344CB8AC3E}">
-        <p14:creationId xmlns:p14="http://schemas.microsoft.com/office/powerpoint/2010/main" val="4118968671"/>
-      </p:ext>
-    </p:extLst>
-  </p:cSld>
-  <p:clrMapOvr>
-    <a:masterClrMapping/>
-  </p:clrMapOvr>
-</p:sld>
-</file>
-
-<file path=ppt/slides/slide16.xml><?xml version="1.0" encoding="utf-8"?>
-<p:sld xmlns:a="http://schemas.openxmlformats.org/drawingml/2006/main" xmlns:r="http://schemas.openxmlformats.org/officeDocument/2006/relationships" xmlns:p="http://schemas.openxmlformats.org/presentationml/2006/main">
-  <p:cSld>
-    <p:spTree>
-      <p:nvGrpSpPr>
-        <p:cNvPr id="1" name=""/>
-        <p:cNvGrpSpPr/>
-        <p:nvPr/>
-      </p:nvGrpSpPr>
-      <p:grpSpPr>
-        <a:xfrm>
-          <a:off x="0" y="0"/>
-          <a:ext cx="0" cy="0"/>
-          <a:chOff x="0" y="0"/>
-          <a:chExt cx="0" cy="0"/>
-        </a:xfrm>
-      </p:grpSpPr>
-      <p:sp>
-        <p:nvSpPr>
-          <p:cNvPr id="2" name="Title 1">
-            <a:extLst>
-              <a:ext uri="{FF2B5EF4-FFF2-40B4-BE49-F238E27FC236}">
-                <a16:creationId xmlns:a16="http://schemas.microsoft.com/office/drawing/2014/main" id="{5D02964E-D9A5-354B-BF61-CE1C4E0DAA78}"/>
-              </a:ext>
-            </a:extLst>
-          </p:cNvPr>
-          <p:cNvSpPr>
-            <a:spLocks noGrp="1"/>
-          </p:cNvSpPr>
-          <p:nvPr>
-            <p:ph type="title"/>
-          </p:nvPr>
-        </p:nvSpPr>
-        <p:spPr/>
-        <p:txBody>
-          <a:bodyPr/>
-          <a:lstStyle/>
-          <a:p>
-            <a:r>
-              <a:rPr lang="fr-FR" dirty="0"/>
-              <a:t>Evaluation des performances</a:t>
+              <a:t>III-Evaluation des performances</a:t>
             </a:r>
           </a:p>
         </p:txBody>
@@ -6913,7 +6807,7 @@
 </p:sld>
 </file>
 
-<file path=ppt/slides/slide17.xml><?xml version="1.0" encoding="utf-8"?>
+<file path=ppt/slides/slide16.xml><?xml version="1.0" encoding="utf-8"?>
 <p:sld xmlns:a="http://schemas.openxmlformats.org/drawingml/2006/main" xmlns:r="http://schemas.openxmlformats.org/officeDocument/2006/relationships" xmlns:p="http://schemas.openxmlformats.org/presentationml/2006/main">
   <p:cSld>
     <p:spTree>
@@ -7159,7 +7053,7 @@
                   <a:srgbClr val="404040"/>
                 </a:solidFill>
               </a:rPr>
-              <a:t>. L’algorithme </a:t>
+              <a:t>. </a:t>
             </a:r>
             <a:r>
               <a:rPr lang="fr-FR" altLang="zh-CN" sz="2000" dirty="0">
@@ -7167,7 +7061,7 @@
                   <a:srgbClr val="404040"/>
                 </a:solidFill>
               </a:rPr>
-              <a:t>Branch </a:t>
+              <a:t>L’algorithme Branch </a:t>
             </a:r>
             <a:r>
               <a:rPr lang="en-US" altLang="zh-CN" sz="2000" dirty="0">
@@ -7436,39 +7330,11 @@
             </a:r>
             <a:r>
               <a:rPr lang="fr-FR" altLang="zh-CN" dirty="0"/>
-              <a:t> avion </a:t>
+              <a:t> avion a le choix parmi 160 manœuvres</a:t>
             </a:r>
             <a:r>
               <a:rPr lang="en-US" altLang="zh-CN" dirty="0"/>
-              <a:t>a </a:t>
-            </a:r>
-            <a:r>
-              <a:rPr lang="en-US" altLang="zh-CN" dirty="0" err="1"/>
-              <a:t>plusieurs</a:t>
-            </a:r>
-            <a:r>
-              <a:rPr lang="en-US" altLang="zh-CN" dirty="0"/>
-              <a:t> m</a:t>
-            </a:r>
-            <a:r>
-              <a:rPr lang="fr-FR" altLang="zh-CN" dirty="0" err="1"/>
-              <a:t>anoeuvres</a:t>
-            </a:r>
-            <a:r>
-              <a:rPr lang="fr-FR" altLang="zh-CN" dirty="0"/>
-              <a:t> </a:t>
-            </a:r>
-            <a:r>
-              <a:rPr lang="en-US" altLang="zh-CN" dirty="0"/>
-              <a:t>à </a:t>
-            </a:r>
-            <a:r>
-              <a:rPr lang="en-US" altLang="zh-CN" dirty="0" err="1"/>
-              <a:t>choisir</a:t>
-            </a:r>
-            <a:r>
-              <a:rPr lang="en-US" altLang="zh-CN" dirty="0"/>
-              <a:t>. </a:t>
+              <a:t>.</a:t>
             </a:r>
             <a:endParaRPr lang="fr-FR" altLang="zh-CN" sz="2400" dirty="0"/>
           </a:p>
@@ -7484,10 +7350,26 @@
             <a:endParaRPr lang="fr-FR" altLang="zh-CN" sz="2400" dirty="0"/>
           </a:p>
           <a:p>
-            <a:pPr lvl="1" algn="just"/>
+            <a:pPr lvl="1"/>
             <a:r>
               <a:rPr lang="en-US" altLang="zh-CN" dirty="0" err="1"/>
-              <a:t>Cherche</a:t>
+              <a:t>Minimiser</a:t>
+            </a:r>
+            <a:r>
+              <a:rPr lang="en-US" altLang="zh-CN" dirty="0"/>
+              <a:t> le </a:t>
+            </a:r>
+            <a:r>
+              <a:rPr lang="en-US" altLang="zh-CN" dirty="0" err="1"/>
+              <a:t>coût</a:t>
+            </a:r>
+            <a:r>
+              <a:rPr lang="en-US" altLang="zh-CN" dirty="0"/>
+              <a:t> total: </a:t>
+            </a:r>
+            <a:r>
+              <a:rPr lang="en-US" altLang="zh-CN" dirty="0" err="1"/>
+              <a:t>Trouver</a:t>
             </a:r>
             <a:r>
               <a:rPr lang="en-US" altLang="zh-CN" dirty="0"/>
@@ -7495,19 +7377,7 @@
             </a:r>
             <a:r>
               <a:rPr lang="fr-FR" altLang="zh-CN" dirty="0"/>
-              <a:t>la meilleure combinaison des </a:t>
-            </a:r>
-            <a:r>
-              <a:rPr lang="en-US" altLang="zh-CN" dirty="0"/>
-              <a:t>m</a:t>
-            </a:r>
-            <a:r>
-              <a:rPr lang="fr-FR" altLang="zh-CN" dirty="0" err="1"/>
-              <a:t>anoeuvres</a:t>
-            </a:r>
-            <a:r>
-              <a:rPr lang="fr-FR" altLang="zh-CN" dirty="0"/>
-              <a:t> de chaque avion </a:t>
+              <a:t>la meilleure combinaison de manœuvres pour chaque avion.</a:t>
             </a:r>
             <a:endParaRPr lang="fr-FR" altLang="zh-CN" sz="2400" dirty="0"/>
           </a:p>
@@ -7524,47 +7394,8 @@
           <a:p>
             <a:pPr lvl="1" algn="just"/>
             <a:r>
-              <a:rPr lang="en-US" altLang="zh-CN" dirty="0"/>
-              <a:t>1. </a:t>
-            </a:r>
-            <a:r>
-              <a:rPr lang="en-US" altLang="zh-CN" dirty="0" err="1"/>
-              <a:t>Minimiser</a:t>
-            </a:r>
-            <a:r>
-              <a:rPr lang="en-US" altLang="zh-CN" dirty="0"/>
-              <a:t> le </a:t>
-            </a:r>
-            <a:r>
-              <a:rPr lang="en-US" altLang="zh-CN" dirty="0" err="1"/>
-              <a:t>coût</a:t>
-            </a:r>
-            <a:r>
-              <a:rPr lang="en-US" altLang="zh-CN" dirty="0"/>
-              <a:t> total </a:t>
-            </a:r>
-          </a:p>
-          <a:p>
-            <a:pPr lvl="1" algn="just"/>
-            <a:r>
               <a:rPr lang="fr-FR" altLang="zh-CN" dirty="0"/>
-              <a:t>2. </a:t>
-            </a:r>
-            <a:r>
-              <a:rPr lang="en-US" altLang="zh-CN" dirty="0"/>
-              <a:t>Les </a:t>
-            </a:r>
-            <a:r>
-              <a:rPr lang="en-US" altLang="zh-CN" dirty="0" err="1"/>
-              <a:t>avions</a:t>
-            </a:r>
-            <a:r>
-              <a:rPr lang="en-US" altLang="zh-CN" dirty="0"/>
-              <a:t> </a:t>
-            </a:r>
-            <a:r>
-              <a:rPr lang="fr-FR" altLang="zh-CN" dirty="0"/>
-              <a:t>doivent s’éviter entre eux</a:t>
+              <a:t>Pas de conflit entre 2 avions.</a:t>
             </a:r>
           </a:p>
           <a:p>
@@ -7674,7 +7505,11 @@
           <a:lstStyle/>
           <a:p>
             <a:pPr algn="ctr"/>
-            <a:endParaRPr lang="zh-CN" altLang="en-US"/>
+            <a:r>
+              <a:rPr lang="fr-FR" altLang="zh-CN" dirty="0"/>
+              <a:t>1</a:t>
+            </a:r>
+            <a:endParaRPr lang="zh-CN" altLang="en-US" dirty="0"/>
           </a:p>
         </p:txBody>
       </p:sp>
@@ -7712,7 +7547,11 @@
           <a:lstStyle/>
           <a:p>
             <a:pPr algn="ctr"/>
-            <a:endParaRPr lang="zh-CN" altLang="en-US"/>
+            <a:r>
+              <a:rPr lang="fr-FR" altLang="zh-CN" dirty="0"/>
+              <a:t>2</a:t>
+            </a:r>
+            <a:endParaRPr lang="zh-CN" altLang="en-US" dirty="0"/>
           </a:p>
         </p:txBody>
       </p:sp>
@@ -7750,7 +7589,7 @@
           <a:lstStyle/>
           <a:p>
             <a:pPr algn="ctr"/>
-            <a:endParaRPr lang="zh-CN" altLang="en-US"/>
+            <a:endParaRPr lang="zh-CN" altLang="en-US" dirty="0"/>
           </a:p>
         </p:txBody>
       </p:sp>
@@ -7788,7 +7627,7 @@
           <a:lstStyle/>
           <a:p>
             <a:pPr algn="ctr"/>
-            <a:endParaRPr lang="zh-CN" altLang="en-US"/>
+            <a:endParaRPr lang="zh-CN" altLang="en-US" dirty="0"/>
           </a:p>
         </p:txBody>
       </p:sp>
@@ -7898,7 +7737,11 @@
           <a:lstStyle/>
           <a:p>
             <a:pPr algn="ctr"/>
-            <a:endParaRPr lang="zh-CN" altLang="en-US"/>
+            <a:r>
+              <a:rPr lang="fr-FR" altLang="zh-CN" dirty="0"/>
+              <a:t>1</a:t>
+            </a:r>
+            <a:endParaRPr lang="zh-CN" altLang="en-US" dirty="0"/>
           </a:p>
         </p:txBody>
       </p:sp>
@@ -7936,7 +7779,11 @@
           <a:lstStyle/>
           <a:p>
             <a:pPr algn="ctr"/>
-            <a:endParaRPr lang="zh-CN" altLang="en-US"/>
+            <a:r>
+              <a:rPr lang="fr-FR" altLang="zh-CN" dirty="0"/>
+              <a:t>2</a:t>
+            </a:r>
+            <a:endParaRPr lang="zh-CN" altLang="en-US" dirty="0"/>
           </a:p>
         </p:txBody>
       </p:sp>
@@ -8151,7 +7998,11 @@
           <a:lstStyle/>
           <a:p>
             <a:pPr algn="ctr"/>
-            <a:endParaRPr lang="zh-CN" altLang="en-US"/>
+            <a:r>
+              <a:rPr lang="fr-FR" altLang="zh-CN" dirty="0"/>
+              <a:t>1</a:t>
+            </a:r>
+            <a:endParaRPr lang="zh-CN" altLang="en-US" dirty="0"/>
           </a:p>
         </p:txBody>
       </p:sp>
@@ -8189,7 +8040,11 @@
           <a:lstStyle/>
           <a:p>
             <a:pPr algn="ctr"/>
-            <a:endParaRPr lang="zh-CN" altLang="en-US"/>
+            <a:r>
+              <a:rPr lang="fr-FR" altLang="zh-CN" dirty="0"/>
+              <a:t>2</a:t>
+            </a:r>
+            <a:endParaRPr lang="zh-CN" altLang="en-US" dirty="0"/>
           </a:p>
         </p:txBody>
       </p:sp>
@@ -8227,7 +8082,7 @@
           <a:lstStyle/>
           <a:p>
             <a:pPr algn="ctr"/>
-            <a:endParaRPr lang="zh-CN" altLang="en-US"/>
+            <a:endParaRPr lang="zh-CN" altLang="en-US" dirty="0"/>
           </a:p>
         </p:txBody>
       </p:sp>
@@ -8265,7 +8120,7 @@
           <a:lstStyle/>
           <a:p>
             <a:pPr algn="ctr"/>
-            <a:endParaRPr lang="zh-CN" altLang="en-US"/>
+            <a:endParaRPr lang="zh-CN" altLang="en-US" dirty="0"/>
           </a:p>
         </p:txBody>
       </p:sp>
@@ -8408,7 +8263,7 @@
         <p:spPr>
           <a:xfrm>
             <a:off x="1470628" y="2907595"/>
-            <a:ext cx="776110" cy="369332"/>
+            <a:ext cx="803682" cy="369332"/>
           </a:xfrm>
           <a:prstGeom prst="rect">
             <a:avLst/>
@@ -8422,7 +8277,7 @@
           <a:p>
             <a:r>
               <a:rPr lang="en-US" altLang="zh-CN" dirty="0" err="1"/>
-              <a:t>conflit</a:t>
+              <a:t>Conflit</a:t>
             </a:r>
             <a:endParaRPr lang="zh-CN" altLang="en-US" dirty="0"/>
           </a:p>
@@ -8437,7 +8292,7 @@
         <p:spPr>
           <a:xfrm>
             <a:off x="5592777" y="2909941"/>
-            <a:ext cx="1547027" cy="369332"/>
+            <a:ext cx="1611788" cy="369332"/>
           </a:xfrm>
           <a:prstGeom prst="rect">
             <a:avLst/>
@@ -8451,11 +8306,11 @@
           <a:p>
             <a:r>
               <a:rPr lang="en-US" altLang="zh-CN" dirty="0" err="1"/>
-              <a:t>Perd</a:t>
+              <a:t>Perte</a:t>
             </a:r>
             <a:r>
               <a:rPr lang="en-US" altLang="zh-CN" dirty="0"/>
-              <a:t> du temps</a:t>
+              <a:t> de temps</a:t>
             </a:r>
             <a:endParaRPr lang="zh-CN" altLang="en-US" dirty="0"/>
           </a:p>
@@ -8507,7 +8362,7 @@
         <p:spPr>
           <a:xfrm>
             <a:off x="809878" y="1143415"/>
-            <a:ext cx="3500895" cy="369332"/>
+            <a:ext cx="2274982" cy="369332"/>
           </a:xfrm>
           <a:prstGeom prst="rect">
             <a:avLst/>
@@ -8521,35 +8376,15 @@
           <a:p>
             <a:r>
               <a:rPr lang="en-US" altLang="zh-CN" dirty="0" err="1"/>
-              <a:t>Prend</a:t>
+              <a:t>Exemple</a:t>
             </a:r>
             <a:r>
               <a:rPr lang="en-US" altLang="zh-CN" dirty="0"/>
-              <a:t> </a:t>
-            </a:r>
-            <a:r>
-              <a:rPr lang="en-US" altLang="zh-CN" dirty="0" err="1"/>
-              <a:t>deux</a:t>
-            </a:r>
-            <a:r>
-              <a:rPr lang="en-US" altLang="zh-CN" dirty="0"/>
-              <a:t> </a:t>
+              <a:t> avec 2 </a:t>
             </a:r>
             <a:r>
               <a:rPr lang="en-US" altLang="zh-CN" dirty="0" err="1"/>
               <a:t>avions</a:t>
-            </a:r>
-            <a:r>
-              <a:rPr lang="en-US" altLang="zh-CN" dirty="0"/>
-              <a:t> </a:t>
-            </a:r>
-            <a:r>
-              <a:rPr lang="en-US" altLang="zh-CN" dirty="0" err="1"/>
-              <a:t>comme</a:t>
-            </a:r>
-            <a:r>
-              <a:rPr lang="en-US" altLang="zh-CN" dirty="0"/>
-              <a:t> example</a:t>
             </a:r>
             <a:endParaRPr lang="zh-CN" altLang="en-US" dirty="0"/>
           </a:p>
@@ -8603,7 +8438,7 @@
         </p:nvSpPr>
         <p:spPr>
           <a:xfrm>
-            <a:off x="1673352" y="350564"/>
+            <a:off x="2066885" y="495843"/>
             <a:ext cx="5797296" cy="891540"/>
           </a:xfrm>
         </p:spPr>
@@ -8649,10 +8484,27 @@
         </p:spPr>
         <p:txBody>
           <a:bodyPr anchor="ctr">
-            <a:normAutofit/>
+            <a:normAutofit lnSpcReduction="10000"/>
           </a:bodyPr>
           <a:lstStyle/>
           <a:p>
+            <a:endParaRPr lang="fr-FR" dirty="0">
+              <a:solidFill>
+                <a:srgbClr val="404040"/>
+              </a:solidFill>
+            </a:endParaRPr>
+          </a:p>
+          <a:p>
+            <a:r>
+              <a:rPr lang="fr-FR" dirty="0">
+                <a:solidFill>
+                  <a:srgbClr val="404040"/>
+                </a:solidFill>
+              </a:rPr>
+              <a:t>Problème d’optimisation</a:t>
+            </a:r>
+          </a:p>
+          <a:p>
             <a:r>
               <a:rPr lang="fr-FR" dirty="0">
                 <a:solidFill>
@@ -8671,6 +8523,16 @@
               </a:rPr>
               <a:t>Evaluation</a:t>
             </a:r>
+          </a:p>
+          <a:p>
+            <a:pPr marL="0" indent="0">
+              <a:buNone/>
+            </a:pPr>
+            <a:endParaRPr lang="fr-FR" dirty="0">
+              <a:solidFill>
+                <a:srgbClr val="404040"/>
+              </a:solidFill>
+            </a:endParaRPr>
           </a:p>
         </p:txBody>
       </p:sp>
@@ -8722,7 +8584,7 @@
         </p:nvSpPr>
         <p:spPr>
           <a:xfrm>
-            <a:off x="1673352" y="350564"/>
+            <a:off x="1955363" y="549275"/>
             <a:ext cx="5797296" cy="891540"/>
           </a:xfrm>
         </p:spPr>
@@ -8768,7 +8630,7 @@
         </p:blipFill>
         <p:spPr>
           <a:xfrm>
-            <a:off x="2267712" y="1676149"/>
+            <a:off x="2333675" y="1676149"/>
             <a:ext cx="5040671" cy="2918076"/>
           </a:xfrm>
           <a:prstGeom prst="rect">

--- a/presentation.pptx
+++ b/presentation.pptx
@@ -6098,7 +6098,7 @@
           <a:p>
             <a:r>
               <a:rPr lang="fr-FR" dirty="0"/>
-              <a:t>II-4.Différentes bornes</a:t>
+              <a:t>II-4.Les bornes</a:t>
             </a:r>
           </a:p>
         </p:txBody>
@@ -6202,7 +6202,7 @@
           <a:p>
             <a:r>
               <a:rPr lang="fr-FR" dirty="0"/>
-              <a:t>II-4.Différentes bornes</a:t>
+              <a:t>II-4.Les bornes</a:t>
             </a:r>
           </a:p>
         </p:txBody>
@@ -6298,8 +6298,12 @@
           <a:lstStyle/>
           <a:p>
             <a:r>
+              <a:rPr lang="fr-FR"/>
+              <a:t>II-4.Les </a:t>
+            </a:r>
+            <a:r>
               <a:rPr lang="fr-FR" dirty="0"/>
-              <a:t>II-4.Différentes bornes</a:t>
+              <a:t>bornes</a:t>
             </a:r>
           </a:p>
         </p:txBody>
@@ -7093,7 +7097,7 @@
                   <a:srgbClr val="404040"/>
                 </a:solidFill>
               </a:rPr>
-              <a:t>	2. Différents modules</a:t>
+              <a:t>	2. Les modules</a:t>
             </a:r>
           </a:p>
           <a:p>
@@ -7104,7 +7108,7 @@
                   <a:srgbClr val="404040"/>
                 </a:solidFill>
               </a:rPr>
-              <a:t>	3. Différents filtres</a:t>
+              <a:t>	3. Les filtres</a:t>
             </a:r>
           </a:p>
           <a:p>
@@ -7115,7 +7119,7 @@
                   <a:srgbClr val="404040"/>
                 </a:solidFill>
               </a:rPr>
-              <a:t>	4.Différentes bornes</a:t>
+              <a:t>	4. Les bornes</a:t>
             </a:r>
           </a:p>
           <a:p>
@@ -8698,7 +8702,7 @@
           <a:p>
             <a:r>
               <a:rPr lang="fr-FR" dirty="0"/>
-              <a:t>II-2.Différents modules</a:t>
+              <a:t>II-2.Les modules</a:t>
             </a:r>
           </a:p>
         </p:txBody>
@@ -9992,7 +9996,7 @@
           <a:p>
             <a:r>
               <a:rPr lang="fr-FR" sz="4000" dirty="0"/>
-              <a:t>II-3.Différents filtres</a:t>
+              <a:t>II-3.Les filtres</a:t>
             </a:r>
           </a:p>
         </p:txBody>

--- a/presentation.pptx
+++ b/presentation.pptx
@@ -1,9 +1,12 @@
 
 <file path=ppt/presentation.xml><?xml version="1.0" encoding="utf-8"?>
-<p:presentation xmlns:a="http://schemas.openxmlformats.org/drawingml/2006/main" xmlns:r="http://schemas.openxmlformats.org/officeDocument/2006/relationships" xmlns:p="http://schemas.openxmlformats.org/presentationml/2006/main" saveSubsetFonts="1" autoCompressPictures="0">
+<p:presentation xmlns:a="http://schemas.openxmlformats.org/drawingml/2006/main" xmlns:r="http://schemas.openxmlformats.org/officeDocument/2006/relationships" xmlns:p="http://schemas.openxmlformats.org/presentationml/2006/main" firstSlideNum="0" showSpecialPlsOnTitleSld="0" saveSubsetFonts="1" autoCompressPictures="0">
   <p:sldMasterIdLst>
     <p:sldMasterId id="2147483648" r:id="rId1"/>
   </p:sldMasterIdLst>
+  <p:notesMasterIdLst>
+    <p:notesMasterId r:id="rId18"/>
+  </p:notesMasterIdLst>
   <p:sldIdLst>
     <p:sldId id="257" r:id="rId2"/>
     <p:sldId id="266" r:id="rId3"/>
@@ -168,6 +171,330 @@
 </p:presentation>
 </file>
 
+<file path=ppt/notesMasters/notesMaster1.xml><?xml version="1.0" encoding="utf-8"?>
+<p:notesMaster xmlns:a="http://schemas.openxmlformats.org/drawingml/2006/main" xmlns:r="http://schemas.openxmlformats.org/officeDocument/2006/relationships" xmlns:p="http://schemas.openxmlformats.org/presentationml/2006/main">
+  <p:cSld>
+    <p:bg>
+      <p:bgRef idx="1001">
+        <a:schemeClr val="bg1"/>
+      </p:bgRef>
+    </p:bg>
+    <p:spTree>
+      <p:nvGrpSpPr>
+        <p:cNvPr id="1" name=""/>
+        <p:cNvGrpSpPr/>
+        <p:nvPr/>
+      </p:nvGrpSpPr>
+      <p:grpSpPr>
+        <a:xfrm>
+          <a:off x="0" y="0"/>
+          <a:ext cx="0" cy="0"/>
+          <a:chOff x="0" y="0"/>
+          <a:chExt cx="0" cy="0"/>
+        </a:xfrm>
+      </p:grpSpPr>
+      <p:sp>
+        <p:nvSpPr>
+          <p:cNvPr id="2" name="Espace réservé de l'en-tête 1"/>
+          <p:cNvSpPr>
+            <a:spLocks noGrp="1"/>
+          </p:cNvSpPr>
+          <p:nvPr>
+            <p:ph type="hdr" sz="quarter"/>
+          </p:nvPr>
+        </p:nvSpPr>
+        <p:spPr>
+          <a:xfrm>
+            <a:off x="0" y="0"/>
+            <a:ext cx="2971800" cy="458788"/>
+          </a:xfrm>
+          <a:prstGeom prst="rect">
+            <a:avLst/>
+          </a:prstGeom>
+        </p:spPr>
+        <p:txBody>
+          <a:bodyPr vert="horz" lIns="91440" tIns="45720" rIns="91440" bIns="45720" rtlCol="0"/>
+          <a:lstStyle>
+            <a:lvl1pPr algn="l">
+              <a:defRPr sz="1200"/>
+            </a:lvl1pPr>
+          </a:lstStyle>
+          <a:p>
+            <a:endParaRPr lang="fr-FR"/>
+          </a:p>
+        </p:txBody>
+      </p:sp>
+      <p:sp>
+        <p:nvSpPr>
+          <p:cNvPr id="3" name="Espace réservé de la date 2"/>
+          <p:cNvSpPr>
+            <a:spLocks noGrp="1"/>
+          </p:cNvSpPr>
+          <p:nvPr>
+            <p:ph type="dt" idx="1"/>
+          </p:nvPr>
+        </p:nvSpPr>
+        <p:spPr>
+          <a:xfrm>
+            <a:off x="3884613" y="0"/>
+            <a:ext cx="2971800" cy="458788"/>
+          </a:xfrm>
+          <a:prstGeom prst="rect">
+            <a:avLst/>
+          </a:prstGeom>
+        </p:spPr>
+        <p:txBody>
+          <a:bodyPr vert="horz" lIns="91440" tIns="45720" rIns="91440" bIns="45720" rtlCol="0"/>
+          <a:lstStyle>
+            <a:lvl1pPr algn="r">
+              <a:defRPr sz="1200"/>
+            </a:lvl1pPr>
+          </a:lstStyle>
+          <a:p>
+            <a:fld id="{6D15D336-28B6-C44C-90FF-6A66BE2765AF}" type="datetimeFigureOut">
+              <a:rPr lang="fr-FR" smtClean="0"/>
+              <a:t>09/01/2019</a:t>
+            </a:fld>
+            <a:endParaRPr lang="fr-FR"/>
+          </a:p>
+        </p:txBody>
+      </p:sp>
+      <p:sp>
+        <p:nvSpPr>
+          <p:cNvPr id="4" name="Espace réservé de l'image des diapositives 3"/>
+          <p:cNvSpPr>
+            <a:spLocks noGrp="1" noRot="1" noChangeAspect="1"/>
+          </p:cNvSpPr>
+          <p:nvPr>
+            <p:ph type="sldImg" idx="2"/>
+          </p:nvPr>
+        </p:nvSpPr>
+        <p:spPr>
+          <a:xfrm>
+            <a:off x="685800" y="1143000"/>
+            <a:ext cx="5486400" cy="3086100"/>
+          </a:xfrm>
+          <a:prstGeom prst="rect">
+            <a:avLst/>
+          </a:prstGeom>
+          <a:noFill/>
+          <a:ln w="12700">
+            <a:solidFill>
+              <a:prstClr val="black"/>
+            </a:solidFill>
+          </a:ln>
+        </p:spPr>
+        <p:txBody>
+          <a:bodyPr vert="horz" lIns="91440" tIns="45720" rIns="91440" bIns="45720" rtlCol="0" anchor="ctr"/>
+          <a:lstStyle/>
+          <a:p>
+            <a:endParaRPr lang="fr-FR"/>
+          </a:p>
+        </p:txBody>
+      </p:sp>
+      <p:sp>
+        <p:nvSpPr>
+          <p:cNvPr id="5" name="Espace réservé des notes 4"/>
+          <p:cNvSpPr>
+            <a:spLocks noGrp="1"/>
+          </p:cNvSpPr>
+          <p:nvPr>
+            <p:ph type="body" sz="quarter" idx="3"/>
+          </p:nvPr>
+        </p:nvSpPr>
+        <p:spPr>
+          <a:xfrm>
+            <a:off x="685800" y="4400550"/>
+            <a:ext cx="5486400" cy="3600450"/>
+          </a:xfrm>
+          <a:prstGeom prst="rect">
+            <a:avLst/>
+          </a:prstGeom>
+        </p:spPr>
+        <p:txBody>
+          <a:bodyPr vert="horz" lIns="91440" tIns="45720" rIns="91440" bIns="45720" rtlCol="0"/>
+          <a:lstStyle/>
+          <a:p>
+            <a:r>
+              <a:rPr lang="fr-FR"/>
+              <a:t>Modifier les styles du texte du masque
+Deuxième niveau
+Troisième niveau
+Quatrième niveau
+Cinquième niveau</a:t>
+            </a:r>
+          </a:p>
+        </p:txBody>
+      </p:sp>
+      <p:sp>
+        <p:nvSpPr>
+          <p:cNvPr id="6" name="Espace réservé du pied de page 5"/>
+          <p:cNvSpPr>
+            <a:spLocks noGrp="1"/>
+          </p:cNvSpPr>
+          <p:nvPr>
+            <p:ph type="ftr" sz="quarter" idx="4"/>
+          </p:nvPr>
+        </p:nvSpPr>
+        <p:spPr>
+          <a:xfrm>
+            <a:off x="0" y="8685213"/>
+            <a:ext cx="2971800" cy="458787"/>
+          </a:xfrm>
+          <a:prstGeom prst="rect">
+            <a:avLst/>
+          </a:prstGeom>
+        </p:spPr>
+        <p:txBody>
+          <a:bodyPr vert="horz" lIns="91440" tIns="45720" rIns="91440" bIns="45720" rtlCol="0" anchor="b"/>
+          <a:lstStyle>
+            <a:lvl1pPr algn="l">
+              <a:defRPr sz="1200"/>
+            </a:lvl1pPr>
+          </a:lstStyle>
+          <a:p>
+            <a:endParaRPr lang="fr-FR"/>
+          </a:p>
+        </p:txBody>
+      </p:sp>
+      <p:sp>
+        <p:nvSpPr>
+          <p:cNvPr id="7" name="Espace réservé du numéro de diapositive 6"/>
+          <p:cNvSpPr>
+            <a:spLocks noGrp="1"/>
+          </p:cNvSpPr>
+          <p:nvPr>
+            <p:ph type="sldNum" sz="quarter" idx="5"/>
+          </p:nvPr>
+        </p:nvSpPr>
+        <p:spPr>
+          <a:xfrm>
+            <a:off x="3884613" y="8685213"/>
+            <a:ext cx="2971800" cy="458787"/>
+          </a:xfrm>
+          <a:prstGeom prst="rect">
+            <a:avLst/>
+          </a:prstGeom>
+        </p:spPr>
+        <p:txBody>
+          <a:bodyPr vert="horz" lIns="91440" tIns="45720" rIns="91440" bIns="45720" rtlCol="0" anchor="b"/>
+          <a:lstStyle>
+            <a:lvl1pPr algn="r">
+              <a:defRPr sz="1200"/>
+            </a:lvl1pPr>
+          </a:lstStyle>
+          <a:p>
+            <a:fld id="{C1F259B9-D364-9040-95C9-2A26E731232E}" type="slidenum">
+              <a:rPr lang="fr-FR" smtClean="0"/>
+              <a:t>‹N°›</a:t>
+            </a:fld>
+            <a:endParaRPr lang="fr-FR"/>
+          </a:p>
+        </p:txBody>
+      </p:sp>
+    </p:spTree>
+    <p:extLst>
+      <p:ext uri="{BB962C8B-B14F-4D97-AF65-F5344CB8AC3E}">
+        <p14:creationId xmlns:p14="http://schemas.microsoft.com/office/powerpoint/2010/main" val="850140625"/>
+      </p:ext>
+    </p:extLst>
+  </p:cSld>
+  <p:clrMap bg1="lt1" tx1="dk1" bg2="lt2" tx2="dk2" accent1="accent1" accent2="accent2" accent3="accent3" accent4="accent4" accent5="accent5" accent6="accent6" hlink="hlink" folHlink="folHlink"/>
+  <p:notesStyle>
+    <a:lvl1pPr marL="0" algn="l" defTabSz="914400" rtl="0" eaLnBrk="1" latinLnBrk="0" hangingPunct="1">
+      <a:defRPr sz="1200" kern="1200">
+        <a:solidFill>
+          <a:schemeClr val="tx1"/>
+        </a:solidFill>
+        <a:latin typeface="+mn-lt"/>
+        <a:ea typeface="+mn-ea"/>
+        <a:cs typeface="+mn-cs"/>
+      </a:defRPr>
+    </a:lvl1pPr>
+    <a:lvl2pPr marL="457200" algn="l" defTabSz="914400" rtl="0" eaLnBrk="1" latinLnBrk="0" hangingPunct="1">
+      <a:defRPr sz="1200" kern="1200">
+        <a:solidFill>
+          <a:schemeClr val="tx1"/>
+        </a:solidFill>
+        <a:latin typeface="+mn-lt"/>
+        <a:ea typeface="+mn-ea"/>
+        <a:cs typeface="+mn-cs"/>
+      </a:defRPr>
+    </a:lvl2pPr>
+    <a:lvl3pPr marL="914400" algn="l" defTabSz="914400" rtl="0" eaLnBrk="1" latinLnBrk="0" hangingPunct="1">
+      <a:defRPr sz="1200" kern="1200">
+        <a:solidFill>
+          <a:schemeClr val="tx1"/>
+        </a:solidFill>
+        <a:latin typeface="+mn-lt"/>
+        <a:ea typeface="+mn-ea"/>
+        <a:cs typeface="+mn-cs"/>
+      </a:defRPr>
+    </a:lvl3pPr>
+    <a:lvl4pPr marL="1371600" algn="l" defTabSz="914400" rtl="0" eaLnBrk="1" latinLnBrk="0" hangingPunct="1">
+      <a:defRPr sz="1200" kern="1200">
+        <a:solidFill>
+          <a:schemeClr val="tx1"/>
+        </a:solidFill>
+        <a:latin typeface="+mn-lt"/>
+        <a:ea typeface="+mn-ea"/>
+        <a:cs typeface="+mn-cs"/>
+      </a:defRPr>
+    </a:lvl4pPr>
+    <a:lvl5pPr marL="1828800" algn="l" defTabSz="914400" rtl="0" eaLnBrk="1" latinLnBrk="0" hangingPunct="1">
+      <a:defRPr sz="1200" kern="1200">
+        <a:solidFill>
+          <a:schemeClr val="tx1"/>
+        </a:solidFill>
+        <a:latin typeface="+mn-lt"/>
+        <a:ea typeface="+mn-ea"/>
+        <a:cs typeface="+mn-cs"/>
+      </a:defRPr>
+    </a:lvl5pPr>
+    <a:lvl6pPr marL="2286000" algn="l" defTabSz="914400" rtl="0" eaLnBrk="1" latinLnBrk="0" hangingPunct="1">
+      <a:defRPr sz="1200" kern="1200">
+        <a:solidFill>
+          <a:schemeClr val="tx1"/>
+        </a:solidFill>
+        <a:latin typeface="+mn-lt"/>
+        <a:ea typeface="+mn-ea"/>
+        <a:cs typeface="+mn-cs"/>
+      </a:defRPr>
+    </a:lvl6pPr>
+    <a:lvl7pPr marL="2743200" algn="l" defTabSz="914400" rtl="0" eaLnBrk="1" latinLnBrk="0" hangingPunct="1">
+      <a:defRPr sz="1200" kern="1200">
+        <a:solidFill>
+          <a:schemeClr val="tx1"/>
+        </a:solidFill>
+        <a:latin typeface="+mn-lt"/>
+        <a:ea typeface="+mn-ea"/>
+        <a:cs typeface="+mn-cs"/>
+      </a:defRPr>
+    </a:lvl7pPr>
+    <a:lvl8pPr marL="3200400" algn="l" defTabSz="914400" rtl="0" eaLnBrk="1" latinLnBrk="0" hangingPunct="1">
+      <a:defRPr sz="1200" kern="1200">
+        <a:solidFill>
+          <a:schemeClr val="tx1"/>
+        </a:solidFill>
+        <a:latin typeface="+mn-lt"/>
+        <a:ea typeface="+mn-ea"/>
+        <a:cs typeface="+mn-cs"/>
+      </a:defRPr>
+    </a:lvl8pPr>
+    <a:lvl9pPr marL="3657600" algn="l" defTabSz="914400" rtl="0" eaLnBrk="1" latinLnBrk="0" hangingPunct="1">
+      <a:defRPr sz="1200" kern="1200">
+        <a:solidFill>
+          <a:schemeClr val="tx1"/>
+        </a:solidFill>
+        <a:latin typeface="+mn-lt"/>
+        <a:ea typeface="+mn-ea"/>
+        <a:cs typeface="+mn-cs"/>
+      </a:defRPr>
+    </a:lvl9pPr>
+  </p:notesStyle>
+</p:notesMaster>
+</file>
+
 <file path=ppt/slideLayouts/slideLayout1.xml><?xml version="1.0" encoding="utf-8"?>
 <p:sldLayout xmlns:a="http://schemas.openxmlformats.org/drawingml/2006/main" xmlns:r="http://schemas.openxmlformats.org/officeDocument/2006/relationships" xmlns:p="http://schemas.openxmlformats.org/presentationml/2006/main" type="title" preserve="1">
   <p:cSld name="Diapositive de titre">
@@ -352,11 +679,8 @@
             <a:pPr>
               <a:defRPr/>
             </a:pPr>
-            <a:fld id="{1105A1D4-9DD3-6444-B978-94CB15CAD5AD}" type="datetimeFigureOut">
-              <a:rPr lang="fr-FR"/>
-              <a:pPr>
-                <a:defRPr/>
-              </a:pPr>
+            <a:fld id="{B89FD7FF-8EDC-D24F-A214-211EBA336BF9}" type="datetime1">
+              <a:rPr lang="fr-FR" smtClean="0"/>
               <a:t>09/01/2019</a:t>
             </a:fld>
             <a:endParaRPr lang="fr-FR"/>
@@ -547,11 +871,8 @@
             <a:pPr>
               <a:defRPr/>
             </a:pPr>
-            <a:fld id="{DEDD454C-7F7E-1547-9E31-7AB183AF4498}" type="datetimeFigureOut">
-              <a:rPr lang="fr-FR"/>
-              <a:pPr>
-                <a:defRPr/>
-              </a:pPr>
+            <a:fld id="{142C0958-71A0-B74E-8F90-C1A64A89327B}" type="datetime1">
+              <a:rPr lang="fr-FR" smtClean="0"/>
               <a:t>09/01/2019</a:t>
             </a:fld>
             <a:endParaRPr lang="fr-FR"/>
@@ -752,11 +1073,8 @@
             <a:pPr>
               <a:defRPr/>
             </a:pPr>
-            <a:fld id="{1284E5E1-2D7F-A74D-B30E-2261BBD24BB8}" type="datetimeFigureOut">
-              <a:rPr lang="fr-FR"/>
-              <a:pPr>
-                <a:defRPr/>
-              </a:pPr>
+            <a:fld id="{80CC8444-1B1A-DC42-A657-1A41E05C4D43}" type="datetime1">
+              <a:rPr lang="fr-FR" smtClean="0"/>
               <a:t>09/01/2019</a:t>
             </a:fld>
             <a:endParaRPr lang="fr-FR"/>
@@ -947,11 +1265,8 @@
             <a:pPr>
               <a:defRPr/>
             </a:pPr>
-            <a:fld id="{4D1E1EA2-0C69-874C-84A4-181587ACDC65}" type="datetimeFigureOut">
-              <a:rPr lang="fr-FR"/>
-              <a:pPr>
-                <a:defRPr/>
-              </a:pPr>
+            <a:fld id="{56A0CBEC-B8E9-2D4F-A542-53EB6E4C9EB7}" type="datetime1">
+              <a:rPr lang="fr-FR" smtClean="0"/>
               <a:t>09/01/2019</a:t>
             </a:fld>
             <a:endParaRPr lang="fr-FR"/>
@@ -1219,11 +1534,8 @@
             <a:pPr>
               <a:defRPr/>
             </a:pPr>
-            <a:fld id="{9846AB9B-C871-414A-A89B-DD73B528940A}" type="datetimeFigureOut">
-              <a:rPr lang="fr-FR"/>
-              <a:pPr>
-                <a:defRPr/>
-              </a:pPr>
+            <a:fld id="{B238449E-D0B4-5B48-A6D7-AB3B2E2BB965}" type="datetime1">
+              <a:rPr lang="fr-FR" smtClean="0"/>
               <a:t>09/01/2019</a:t>
             </a:fld>
             <a:endParaRPr lang="fr-FR"/>
@@ -1531,11 +1843,8 @@
             <a:pPr>
               <a:defRPr/>
             </a:pPr>
-            <a:fld id="{B97AFB57-788A-E040-82CC-BC4D0B3BDFBB}" type="datetimeFigureOut">
-              <a:rPr lang="fr-FR"/>
-              <a:pPr>
-                <a:defRPr/>
-              </a:pPr>
+            <a:fld id="{C9808FAC-1CB4-4443-8EEC-6F6FD2A73846}" type="datetime1">
+              <a:rPr lang="fr-FR" smtClean="0"/>
               <a:t>09/01/2019</a:t>
             </a:fld>
             <a:endParaRPr lang="fr-FR"/>
@@ -1977,11 +2286,8 @@
             <a:pPr>
               <a:defRPr/>
             </a:pPr>
-            <a:fld id="{D8787782-EBB7-B246-B359-43D2A825D9EC}" type="datetimeFigureOut">
-              <a:rPr lang="fr-FR"/>
-              <a:pPr>
-                <a:defRPr/>
-              </a:pPr>
+            <a:fld id="{E7A6C732-E32C-6F46-9C59-48FEE9DF7E77}" type="datetime1">
+              <a:rPr lang="fr-FR" smtClean="0"/>
               <a:t>09/01/2019</a:t>
             </a:fld>
             <a:endParaRPr lang="fr-FR"/>
@@ -2121,11 +2427,8 @@
             <a:pPr>
               <a:defRPr/>
             </a:pPr>
-            <a:fld id="{65D66241-06E1-2A45-B8A3-3A4F95B26BF2}" type="datetimeFigureOut">
-              <a:rPr lang="fr-FR"/>
-              <a:pPr>
-                <a:defRPr/>
-              </a:pPr>
+            <a:fld id="{BA9AC612-900B-3243-A106-FA6D22827ADF}" type="datetime1">
+              <a:rPr lang="fr-FR" smtClean="0"/>
               <a:t>09/01/2019</a:t>
             </a:fld>
             <a:endParaRPr lang="fr-FR"/>
@@ -2243,11 +2546,8 @@
             <a:pPr>
               <a:defRPr/>
             </a:pPr>
-            <a:fld id="{C9296401-2C90-4844-810A-0CEBB4621CC6}" type="datetimeFigureOut">
-              <a:rPr lang="fr-FR"/>
-              <a:pPr>
-                <a:defRPr/>
-              </a:pPr>
+            <a:fld id="{0ADB16B4-81D5-4144-8B4F-7C9079C8922C}" type="datetime1">
+              <a:rPr lang="fr-FR" smtClean="0"/>
               <a:t>09/01/2019</a:t>
             </a:fld>
             <a:endParaRPr lang="fr-FR"/>
@@ -2545,11 +2845,8 @@
             <a:pPr>
               <a:defRPr/>
             </a:pPr>
-            <a:fld id="{07D3C267-2648-B34F-9E3C-7AA7CC82AB33}" type="datetimeFigureOut">
-              <a:rPr lang="fr-FR"/>
-              <a:pPr>
-                <a:defRPr/>
-              </a:pPr>
+            <a:fld id="{B2FCBB5F-87FC-FB43-9AE7-B7F5E62969B2}" type="datetime1">
+              <a:rPr lang="fr-FR" smtClean="0"/>
               <a:t>09/01/2019</a:t>
             </a:fld>
             <a:endParaRPr lang="fr-FR"/>
@@ -2830,11 +3127,8 @@
             <a:pPr>
               <a:defRPr/>
             </a:pPr>
-            <a:fld id="{0BC784E6-CEAF-1C4D-B2F3-3EB1E68BD6B3}" type="datetimeFigureOut">
-              <a:rPr lang="fr-FR"/>
-              <a:pPr>
-                <a:defRPr/>
-              </a:pPr>
+            <a:fld id="{9A2F2B3F-4AB1-A448-8A90-9F419481F624}" type="datetime1">
+              <a:rPr lang="fr-FR" smtClean="0"/>
               <a:t>09/01/2019</a:t>
             </a:fld>
             <a:endParaRPr lang="fr-FR"/>
@@ -3137,11 +3431,8 @@
             <a:pPr>
               <a:defRPr/>
             </a:pPr>
-            <a:fld id="{51BE3FA1-42FA-6543-B44B-ED58D0826433}" type="datetimeFigureOut">
-              <a:rPr lang="fr-FR"/>
-              <a:pPr>
-                <a:defRPr/>
-              </a:pPr>
+            <a:fld id="{CA2CC556-03EF-1244-BBF6-3939D66BA848}" type="datetime1">
+              <a:rPr lang="fr-FR" smtClean="0"/>
               <a:t>09/01/2019</a:t>
             </a:fld>
             <a:endParaRPr lang="fr-FR"/>
@@ -3269,6 +3560,7 @@
     <p:sldLayoutId id="2147483658" r:id="rId10"/>
     <p:sldLayoutId id="2147483659" r:id="rId11"/>
   </p:sldLayoutIdLst>
+  <p:hf hdr="0" ftr="0" dt="0"/>
   <p:txStyles>
     <p:titleStyle>
       <a:lvl1pPr algn="ctr" defTabSz="457200" rtl="0" eaLnBrk="1" fontAlgn="base" hangingPunct="1">
@@ -6038,6 +6330,46 @@
           </a:fontRef>
         </p:style>
       </p:cxnSp>
+      <p:sp>
+        <p:nvSpPr>
+          <p:cNvPr id="19" name="Espace réservé du numéro de diapositive 18">
+            <a:extLst>
+              <a:ext uri="{FF2B5EF4-FFF2-40B4-BE49-F238E27FC236}">
+                <a16:creationId xmlns:a16="http://schemas.microsoft.com/office/drawing/2014/main" id="{995AD9B8-E92D-0144-91D2-348EF5A46B81}"/>
+              </a:ext>
+            </a:extLst>
+          </p:cNvPr>
+          <p:cNvSpPr>
+            <a:spLocks noGrp="1"/>
+          </p:cNvSpPr>
+          <p:nvPr>
+            <p:ph type="sldNum" sz="quarter" idx="12"/>
+          </p:nvPr>
+        </p:nvSpPr>
+        <p:spPr>
+          <a:xfrm>
+            <a:off x="6381309" y="4630953"/>
+            <a:ext cx="2133600" cy="273844"/>
+          </a:xfrm>
+        </p:spPr>
+        <p:txBody>
+          <a:bodyPr/>
+          <a:lstStyle/>
+          <a:p>
+            <a:pPr>
+              <a:defRPr/>
+            </a:pPr>
+            <a:fld id="{A8EDAB28-6F4F-3F46-8345-72B53CB55CCC}" type="slidenum">
+              <a:rPr lang="fr-FR" smtClean="0"/>
+              <a:pPr>
+                <a:defRPr/>
+              </a:pPr>
+              <a:t>9</a:t>
+            </a:fld>
+            <a:endParaRPr lang="fr-FR"/>
+          </a:p>
+        </p:txBody>
+      </p:sp>
     </p:spTree>
     <p:extLst>
       <p:ext uri="{BB962C8B-B14F-4D97-AF65-F5344CB8AC3E}">
@@ -6142,6 +6474,46 @@
           </a:p>
         </p:txBody>
       </p:sp>
+      <p:sp>
+        <p:nvSpPr>
+          <p:cNvPr id="7" name="Espace réservé du numéro de diapositive 6">
+            <a:extLst>
+              <a:ext uri="{FF2B5EF4-FFF2-40B4-BE49-F238E27FC236}">
+                <a16:creationId xmlns:a16="http://schemas.microsoft.com/office/drawing/2014/main" id="{D4334516-7867-5D41-A386-A855A892BC45}"/>
+              </a:ext>
+            </a:extLst>
+          </p:cNvPr>
+          <p:cNvSpPr>
+            <a:spLocks noGrp="1"/>
+          </p:cNvSpPr>
+          <p:nvPr>
+            <p:ph type="sldNum" sz="quarter" idx="12"/>
+          </p:nvPr>
+        </p:nvSpPr>
+        <p:spPr>
+          <a:xfrm>
+            <a:off x="6403848" y="4656014"/>
+            <a:ext cx="2133600" cy="273844"/>
+          </a:xfrm>
+        </p:spPr>
+        <p:txBody>
+          <a:bodyPr/>
+          <a:lstStyle/>
+          <a:p>
+            <a:pPr>
+              <a:defRPr/>
+            </a:pPr>
+            <a:fld id="{A8EDAB28-6F4F-3F46-8345-72B53CB55CCC}" type="slidenum">
+              <a:rPr lang="fr-FR" smtClean="0"/>
+              <a:pPr>
+                <a:defRPr/>
+              </a:pPr>
+              <a:t>10</a:t>
+            </a:fld>
+            <a:endParaRPr lang="fr-FR" dirty="0"/>
+          </a:p>
+        </p:txBody>
+      </p:sp>
     </p:spTree>
     <p:extLst>
       <p:ext uri="{BB962C8B-B14F-4D97-AF65-F5344CB8AC3E}">
@@ -6239,6 +6611,46 @@
           </a:prstGeom>
         </p:spPr>
       </p:pic>
+      <p:sp>
+        <p:nvSpPr>
+          <p:cNvPr id="8" name="Espace réservé du numéro de diapositive 7">
+            <a:extLst>
+              <a:ext uri="{FF2B5EF4-FFF2-40B4-BE49-F238E27FC236}">
+                <a16:creationId xmlns:a16="http://schemas.microsoft.com/office/drawing/2014/main" id="{B7EAD9F7-3FC2-744D-8FC2-81787B9DF7B7}"/>
+              </a:ext>
+            </a:extLst>
+          </p:cNvPr>
+          <p:cNvSpPr>
+            <a:spLocks noGrp="1"/>
+          </p:cNvSpPr>
+          <p:nvPr>
+            <p:ph type="sldNum" sz="quarter" idx="12"/>
+          </p:nvPr>
+        </p:nvSpPr>
+        <p:spPr>
+          <a:xfrm>
+            <a:off x="6403848" y="4656014"/>
+            <a:ext cx="2133600" cy="273844"/>
+          </a:xfrm>
+        </p:spPr>
+        <p:txBody>
+          <a:bodyPr/>
+          <a:lstStyle/>
+          <a:p>
+            <a:pPr>
+              <a:defRPr/>
+            </a:pPr>
+            <a:fld id="{A8EDAB28-6F4F-3F46-8345-72B53CB55CCC}" type="slidenum">
+              <a:rPr lang="fr-FR" smtClean="0"/>
+              <a:pPr>
+                <a:defRPr/>
+              </a:pPr>
+              <a:t>11</a:t>
+            </a:fld>
+            <a:endParaRPr lang="fr-FR" dirty="0"/>
+          </a:p>
+        </p:txBody>
+      </p:sp>
     </p:spTree>
     <p:extLst>
       <p:ext uri="{BB962C8B-B14F-4D97-AF65-F5344CB8AC3E}">
@@ -6298,12 +6710,8 @@
           <a:lstStyle/>
           <a:p>
             <a:r>
-              <a:rPr lang="fr-FR"/>
-              <a:t>II-4.Les </a:t>
-            </a:r>
-            <a:r>
               <a:rPr lang="fr-FR" dirty="0"/>
-              <a:t>bornes</a:t>
+              <a:t>II-4.Les bornes</a:t>
             </a:r>
           </a:p>
         </p:txBody>
@@ -6462,6 +6870,46 @@
           </p:sp>
         </mc:Fallback>
       </mc:AlternateContent>
+      <p:sp>
+        <p:nvSpPr>
+          <p:cNvPr id="7" name="Espace réservé du numéro de diapositive 6">
+            <a:extLst>
+              <a:ext uri="{FF2B5EF4-FFF2-40B4-BE49-F238E27FC236}">
+                <a16:creationId xmlns:a16="http://schemas.microsoft.com/office/drawing/2014/main" id="{8DCEB753-9615-7644-AF26-8C5A8778A8FE}"/>
+              </a:ext>
+            </a:extLst>
+          </p:cNvPr>
+          <p:cNvSpPr>
+            <a:spLocks noGrp="1"/>
+          </p:cNvSpPr>
+          <p:nvPr>
+            <p:ph type="sldNum" sz="quarter" idx="12"/>
+          </p:nvPr>
+        </p:nvSpPr>
+        <p:spPr>
+          <a:xfrm>
+            <a:off x="6403848" y="4656014"/>
+            <a:ext cx="2133600" cy="273844"/>
+          </a:xfrm>
+        </p:spPr>
+        <p:txBody>
+          <a:bodyPr/>
+          <a:lstStyle/>
+          <a:p>
+            <a:pPr>
+              <a:defRPr/>
+            </a:pPr>
+            <a:fld id="{A8EDAB28-6F4F-3F46-8345-72B53CB55CCC}" type="slidenum">
+              <a:rPr lang="fr-FR" smtClean="0"/>
+              <a:pPr>
+                <a:defRPr/>
+              </a:pPr>
+              <a:t>12</a:t>
+            </a:fld>
+            <a:endParaRPr lang="fr-FR" dirty="0"/>
+          </a:p>
+        </p:txBody>
+      </p:sp>
     </p:spTree>
     <p:extLst>
       <p:ext uri="{BB962C8B-B14F-4D97-AF65-F5344CB8AC3E}">
@@ -6619,6 +7067,46 @@
           </a:p>
         </p:txBody>
       </p:sp>
+      <p:sp>
+        <p:nvSpPr>
+          <p:cNvPr id="7" name="Espace réservé du numéro de diapositive 6">
+            <a:extLst>
+              <a:ext uri="{FF2B5EF4-FFF2-40B4-BE49-F238E27FC236}">
+                <a16:creationId xmlns:a16="http://schemas.microsoft.com/office/drawing/2014/main" id="{8E47864C-2A7F-6849-94BC-F03C9F63F147}"/>
+              </a:ext>
+            </a:extLst>
+          </p:cNvPr>
+          <p:cNvSpPr>
+            <a:spLocks noGrp="1"/>
+          </p:cNvSpPr>
+          <p:nvPr>
+            <p:ph type="sldNum" sz="quarter" idx="12"/>
+          </p:nvPr>
+        </p:nvSpPr>
+        <p:spPr>
+          <a:xfrm>
+            <a:off x="6407922" y="4656014"/>
+            <a:ext cx="2133600" cy="273844"/>
+          </a:xfrm>
+        </p:spPr>
+        <p:txBody>
+          <a:bodyPr/>
+          <a:lstStyle/>
+          <a:p>
+            <a:pPr>
+              <a:defRPr/>
+            </a:pPr>
+            <a:fld id="{A8EDAB28-6F4F-3F46-8345-72B53CB55CCC}" type="slidenum">
+              <a:rPr lang="fr-FR" smtClean="0"/>
+              <a:pPr>
+                <a:defRPr/>
+              </a:pPr>
+              <a:t>13</a:t>
+            </a:fld>
+            <a:endParaRPr lang="fr-FR" dirty="0"/>
+          </a:p>
+        </p:txBody>
+      </p:sp>
     </p:spTree>
     <p:extLst>
       <p:ext uri="{BB962C8B-B14F-4D97-AF65-F5344CB8AC3E}">
@@ -6798,6 +7286,46 @@
           </a:prstGeom>
         </p:spPr>
       </p:pic>
+      <p:sp>
+        <p:nvSpPr>
+          <p:cNvPr id="10" name="Espace réservé du numéro de diapositive 9">
+            <a:extLst>
+              <a:ext uri="{FF2B5EF4-FFF2-40B4-BE49-F238E27FC236}">
+                <a16:creationId xmlns:a16="http://schemas.microsoft.com/office/drawing/2014/main" id="{511E4B91-BA0C-2C4D-92BE-79F818358E9C}"/>
+              </a:ext>
+            </a:extLst>
+          </p:cNvPr>
+          <p:cNvSpPr>
+            <a:spLocks noGrp="1"/>
+          </p:cNvSpPr>
+          <p:nvPr>
+            <p:ph type="sldNum" sz="quarter" idx="12"/>
+          </p:nvPr>
+        </p:nvSpPr>
+        <p:spPr>
+          <a:xfrm>
+            <a:off x="6382285" y="4613627"/>
+            <a:ext cx="2133600" cy="273844"/>
+          </a:xfrm>
+        </p:spPr>
+        <p:txBody>
+          <a:bodyPr/>
+          <a:lstStyle/>
+          <a:p>
+            <a:pPr>
+              <a:defRPr/>
+            </a:pPr>
+            <a:fld id="{719C5602-1848-C94F-968D-A50F635B5EDF}" type="slidenum">
+              <a:rPr lang="fr-FR" smtClean="0"/>
+              <a:pPr>
+                <a:defRPr/>
+              </a:pPr>
+              <a:t>14</a:t>
+            </a:fld>
+            <a:endParaRPr lang="fr-FR"/>
+          </a:p>
+        </p:txBody>
+      </p:sp>
     </p:spTree>
     <p:extLst>
       <p:ext uri="{BB962C8B-B14F-4D97-AF65-F5344CB8AC3E}">
@@ -6927,6 +7455,46 @@
           </a:p>
         </p:txBody>
       </p:sp>
+      <p:sp>
+        <p:nvSpPr>
+          <p:cNvPr id="7" name="Espace réservé du numéro de diapositive 6">
+            <a:extLst>
+              <a:ext uri="{FF2B5EF4-FFF2-40B4-BE49-F238E27FC236}">
+                <a16:creationId xmlns:a16="http://schemas.microsoft.com/office/drawing/2014/main" id="{01B6ECE7-30C7-C249-9F41-AF60AEB0D445}"/>
+              </a:ext>
+            </a:extLst>
+          </p:cNvPr>
+          <p:cNvSpPr>
+            <a:spLocks noGrp="1"/>
+          </p:cNvSpPr>
+          <p:nvPr>
+            <p:ph type="sldNum" sz="quarter" idx="12"/>
+          </p:nvPr>
+        </p:nvSpPr>
+        <p:spPr>
+          <a:xfrm>
+            <a:off x="6403848" y="4656014"/>
+            <a:ext cx="2133600" cy="273844"/>
+          </a:xfrm>
+        </p:spPr>
+        <p:txBody>
+          <a:bodyPr/>
+          <a:lstStyle/>
+          <a:p>
+            <a:pPr>
+              <a:defRPr/>
+            </a:pPr>
+            <a:fld id="{A8EDAB28-6F4F-3F46-8345-72B53CB55CCC}" type="slidenum">
+              <a:rPr lang="fr-FR" smtClean="0"/>
+              <a:pPr>
+                <a:defRPr/>
+              </a:pPr>
+              <a:t>15</a:t>
+            </a:fld>
+            <a:endParaRPr lang="fr-FR"/>
+          </a:p>
+        </p:txBody>
+      </p:sp>
     </p:spTree>
     <p:extLst>
       <p:ext uri="{BB962C8B-B14F-4D97-AF65-F5344CB8AC3E}">
@@ -7192,6 +7760,46 @@
           </a:p>
         </p:txBody>
       </p:sp>
+      <p:sp>
+        <p:nvSpPr>
+          <p:cNvPr id="7" name="Espace réservé du numéro de diapositive 6">
+            <a:extLst>
+              <a:ext uri="{FF2B5EF4-FFF2-40B4-BE49-F238E27FC236}">
+                <a16:creationId xmlns:a16="http://schemas.microsoft.com/office/drawing/2014/main" id="{FD7D6707-DD86-DC48-AD8B-482F1A3B4489}"/>
+              </a:ext>
+            </a:extLst>
+          </p:cNvPr>
+          <p:cNvSpPr>
+            <a:spLocks noGrp="1"/>
+          </p:cNvSpPr>
+          <p:nvPr>
+            <p:ph type="sldNum" sz="quarter" idx="12"/>
+          </p:nvPr>
+        </p:nvSpPr>
+        <p:spPr>
+          <a:xfrm>
+            <a:off x="6403848" y="4656014"/>
+            <a:ext cx="2133600" cy="273844"/>
+          </a:xfrm>
+        </p:spPr>
+        <p:txBody>
+          <a:bodyPr/>
+          <a:lstStyle/>
+          <a:p>
+            <a:pPr>
+              <a:defRPr/>
+            </a:pPr>
+            <a:fld id="{A8EDAB28-6F4F-3F46-8345-72B53CB55CCC}" type="slidenum">
+              <a:rPr lang="fr-FR" smtClean="0"/>
+              <a:pPr>
+                <a:defRPr/>
+              </a:pPr>
+              <a:t>1</a:t>
+            </a:fld>
+            <a:endParaRPr lang="fr-FR" dirty="0"/>
+          </a:p>
+        </p:txBody>
+      </p:sp>
     </p:spTree>
     <p:extLst>
       <p:ext uri="{BB962C8B-B14F-4D97-AF65-F5344CB8AC3E}">
@@ -7410,6 +8018,46 @@
           </a:p>
         </p:txBody>
       </p:sp>
+      <p:sp>
+        <p:nvSpPr>
+          <p:cNvPr id="7" name="Espace réservé du numéro de diapositive 6">
+            <a:extLst>
+              <a:ext uri="{FF2B5EF4-FFF2-40B4-BE49-F238E27FC236}">
+                <a16:creationId xmlns:a16="http://schemas.microsoft.com/office/drawing/2014/main" id="{4F25CDB2-4FFF-F040-BE9A-D3B0BE8378E2}"/>
+              </a:ext>
+            </a:extLst>
+          </p:cNvPr>
+          <p:cNvSpPr>
+            <a:spLocks noGrp="1"/>
+          </p:cNvSpPr>
+          <p:nvPr>
+            <p:ph type="sldNum" sz="quarter" idx="12"/>
+          </p:nvPr>
+        </p:nvSpPr>
+        <p:spPr>
+          <a:xfrm>
+            <a:off x="6403848" y="4656014"/>
+            <a:ext cx="2133600" cy="273844"/>
+          </a:xfrm>
+        </p:spPr>
+        <p:txBody>
+          <a:bodyPr/>
+          <a:lstStyle/>
+          <a:p>
+            <a:pPr>
+              <a:defRPr/>
+            </a:pPr>
+            <a:fld id="{A8EDAB28-6F4F-3F46-8345-72B53CB55CCC}" type="slidenum">
+              <a:rPr lang="fr-FR" smtClean="0"/>
+              <a:pPr>
+                <a:defRPr/>
+              </a:pPr>
+              <a:t>2</a:t>
+            </a:fld>
+            <a:endParaRPr lang="fr-FR" dirty="0"/>
+          </a:p>
+        </p:txBody>
+      </p:sp>
     </p:spTree>
     <p:extLst>
       <p:ext uri="{BB962C8B-B14F-4D97-AF65-F5344CB8AC3E}">
@@ -8394,6 +9042,46 @@
           </a:p>
         </p:txBody>
       </p:sp>
+      <p:sp>
+        <p:nvSpPr>
+          <p:cNvPr id="10" name="Espace réservé du numéro de diapositive 9">
+            <a:extLst>
+              <a:ext uri="{FF2B5EF4-FFF2-40B4-BE49-F238E27FC236}">
+                <a16:creationId xmlns:a16="http://schemas.microsoft.com/office/drawing/2014/main" id="{B327E7C1-B602-2141-B12C-8637D7CC7F13}"/>
+              </a:ext>
+            </a:extLst>
+          </p:cNvPr>
+          <p:cNvSpPr>
+            <a:spLocks noGrp="1"/>
+          </p:cNvSpPr>
+          <p:nvPr>
+            <p:ph type="sldNum" sz="quarter" idx="12"/>
+          </p:nvPr>
+        </p:nvSpPr>
+        <p:spPr>
+          <a:xfrm>
+            <a:off x="6398671" y="4656014"/>
+            <a:ext cx="2133600" cy="273844"/>
+          </a:xfrm>
+        </p:spPr>
+        <p:txBody>
+          <a:bodyPr/>
+          <a:lstStyle/>
+          <a:p>
+            <a:pPr>
+              <a:defRPr/>
+            </a:pPr>
+            <a:fld id="{A8EDAB28-6F4F-3F46-8345-72B53CB55CCC}" type="slidenum">
+              <a:rPr lang="fr-FR" smtClean="0"/>
+              <a:pPr>
+                <a:defRPr/>
+              </a:pPr>
+              <a:t>3</a:t>
+            </a:fld>
+            <a:endParaRPr lang="fr-FR" dirty="0"/>
+          </a:p>
+        </p:txBody>
+      </p:sp>
     </p:spTree>
     <p:extLst>
       <p:ext uri="{BB962C8B-B14F-4D97-AF65-F5344CB8AC3E}">
@@ -8540,6 +9228,46 @@
           </a:p>
         </p:txBody>
       </p:sp>
+      <p:sp>
+        <p:nvSpPr>
+          <p:cNvPr id="7" name="Espace réservé du numéro de diapositive 6">
+            <a:extLst>
+              <a:ext uri="{FF2B5EF4-FFF2-40B4-BE49-F238E27FC236}">
+                <a16:creationId xmlns:a16="http://schemas.microsoft.com/office/drawing/2014/main" id="{BB0D6717-CDAC-894F-9463-43FF074E240D}"/>
+              </a:ext>
+            </a:extLst>
+          </p:cNvPr>
+          <p:cNvSpPr>
+            <a:spLocks noGrp="1"/>
+          </p:cNvSpPr>
+          <p:nvPr>
+            <p:ph type="sldNum" sz="quarter" idx="12"/>
+          </p:nvPr>
+        </p:nvSpPr>
+        <p:spPr>
+          <a:xfrm>
+            <a:off x="6399376" y="4656203"/>
+            <a:ext cx="2133600" cy="273844"/>
+          </a:xfrm>
+        </p:spPr>
+        <p:txBody>
+          <a:bodyPr/>
+          <a:lstStyle/>
+          <a:p>
+            <a:pPr>
+              <a:defRPr/>
+            </a:pPr>
+            <a:fld id="{A8EDAB28-6F4F-3F46-8345-72B53CB55CCC}" type="slidenum">
+              <a:rPr lang="fr-FR" smtClean="0"/>
+              <a:pPr>
+                <a:defRPr/>
+              </a:pPr>
+              <a:t>4</a:t>
+            </a:fld>
+            <a:endParaRPr lang="fr-FR" dirty="0"/>
+          </a:p>
+        </p:txBody>
+      </p:sp>
     </p:spTree>
     <p:extLst>
       <p:ext uri="{BB962C8B-B14F-4D97-AF65-F5344CB8AC3E}">
@@ -8642,6 +9370,46 @@
           </a:prstGeom>
         </p:spPr>
       </p:pic>
+      <p:sp>
+        <p:nvSpPr>
+          <p:cNvPr id="6" name="Espace réservé du numéro de diapositive 5">
+            <a:extLst>
+              <a:ext uri="{FF2B5EF4-FFF2-40B4-BE49-F238E27FC236}">
+                <a16:creationId xmlns:a16="http://schemas.microsoft.com/office/drawing/2014/main" id="{FFA5C595-8CB7-494E-A29D-5D124CD19A84}"/>
+              </a:ext>
+            </a:extLst>
+          </p:cNvPr>
+          <p:cNvSpPr>
+            <a:spLocks noGrp="1"/>
+          </p:cNvSpPr>
+          <p:nvPr>
+            <p:ph type="sldNum" sz="quarter" idx="12"/>
+          </p:nvPr>
+        </p:nvSpPr>
+        <p:spPr>
+          <a:xfrm>
+            <a:off x="6373738" y="4692637"/>
+            <a:ext cx="2133600" cy="273844"/>
+          </a:xfrm>
+        </p:spPr>
+        <p:txBody>
+          <a:bodyPr/>
+          <a:lstStyle/>
+          <a:p>
+            <a:pPr>
+              <a:defRPr/>
+            </a:pPr>
+            <a:fld id="{A8EDAB28-6F4F-3F46-8345-72B53CB55CCC}" type="slidenum">
+              <a:rPr lang="fr-FR" smtClean="0"/>
+              <a:pPr>
+                <a:defRPr/>
+              </a:pPr>
+              <a:t>5</a:t>
+            </a:fld>
+            <a:endParaRPr lang="fr-FR" dirty="0"/>
+          </a:p>
+        </p:txBody>
+      </p:sp>
     </p:spTree>
     <p:extLst>
       <p:ext uri="{BB962C8B-B14F-4D97-AF65-F5344CB8AC3E}">
@@ -9936,6 +10704,46 @@
           </a:fontRef>
         </p:style>
       </p:cxnSp>
+      <p:sp>
+        <p:nvSpPr>
+          <p:cNvPr id="39" name="Espace réservé du numéro de diapositive 38">
+            <a:extLst>
+              <a:ext uri="{FF2B5EF4-FFF2-40B4-BE49-F238E27FC236}">
+                <a16:creationId xmlns:a16="http://schemas.microsoft.com/office/drawing/2014/main" id="{144C609C-0296-3145-9219-7FDB53027F05}"/>
+              </a:ext>
+            </a:extLst>
+          </p:cNvPr>
+          <p:cNvSpPr>
+            <a:spLocks noGrp="1"/>
+          </p:cNvSpPr>
+          <p:nvPr>
+            <p:ph type="sldNum" sz="quarter" idx="12"/>
+          </p:nvPr>
+        </p:nvSpPr>
+        <p:spPr>
+          <a:xfrm>
+            <a:off x="6312213" y="4656014"/>
+            <a:ext cx="2133600" cy="273844"/>
+          </a:xfrm>
+        </p:spPr>
+        <p:txBody>
+          <a:bodyPr/>
+          <a:lstStyle/>
+          <a:p>
+            <a:pPr>
+              <a:defRPr/>
+            </a:pPr>
+            <a:fld id="{A8EDAB28-6F4F-3F46-8345-72B53CB55CCC}" type="slidenum">
+              <a:rPr lang="fr-FR" smtClean="0"/>
+              <a:pPr>
+                <a:defRPr/>
+              </a:pPr>
+              <a:t>6</a:t>
+            </a:fld>
+            <a:endParaRPr lang="fr-FR" dirty="0"/>
+          </a:p>
+        </p:txBody>
+      </p:sp>
     </p:spTree>
     <p:extLst>
       <p:ext uri="{BB962C8B-B14F-4D97-AF65-F5344CB8AC3E}">
@@ -10086,6 +10894,46 @@
           </a:p>
         </p:txBody>
       </p:sp>
+      <p:sp>
+        <p:nvSpPr>
+          <p:cNvPr id="7" name="Espace réservé du numéro de diapositive 6">
+            <a:extLst>
+              <a:ext uri="{FF2B5EF4-FFF2-40B4-BE49-F238E27FC236}">
+                <a16:creationId xmlns:a16="http://schemas.microsoft.com/office/drawing/2014/main" id="{1439F34C-84DB-1242-9B3D-60C275FAD7FF}"/>
+              </a:ext>
+            </a:extLst>
+          </p:cNvPr>
+          <p:cNvSpPr>
+            <a:spLocks noGrp="1"/>
+          </p:cNvSpPr>
+          <p:nvPr>
+            <p:ph type="sldNum" sz="quarter" idx="12"/>
+          </p:nvPr>
+        </p:nvSpPr>
+        <p:spPr>
+          <a:xfrm>
+            <a:off x="6339555" y="4660246"/>
+            <a:ext cx="2133600" cy="273844"/>
+          </a:xfrm>
+        </p:spPr>
+        <p:txBody>
+          <a:bodyPr/>
+          <a:lstStyle/>
+          <a:p>
+            <a:pPr>
+              <a:defRPr/>
+            </a:pPr>
+            <a:fld id="{A8EDAB28-6F4F-3F46-8345-72B53CB55CCC}" type="slidenum">
+              <a:rPr lang="fr-FR" smtClean="0"/>
+              <a:pPr>
+                <a:defRPr/>
+              </a:pPr>
+              <a:t>7</a:t>
+            </a:fld>
+            <a:endParaRPr lang="fr-FR" dirty="0"/>
+          </a:p>
+        </p:txBody>
+      </p:sp>
     </p:spTree>
     <p:extLst>
       <p:ext uri="{BB962C8B-B14F-4D97-AF65-F5344CB8AC3E}">
@@ -11035,6 +11883,46 @@
           </a:fontRef>
         </p:style>
       </p:cxnSp>
+      <p:sp>
+        <p:nvSpPr>
+          <p:cNvPr id="11" name="Espace réservé du numéro de diapositive 10">
+            <a:extLst>
+              <a:ext uri="{FF2B5EF4-FFF2-40B4-BE49-F238E27FC236}">
+                <a16:creationId xmlns:a16="http://schemas.microsoft.com/office/drawing/2014/main" id="{93452B05-7337-9A4C-81A7-E3F55CE7E278}"/>
+              </a:ext>
+            </a:extLst>
+          </p:cNvPr>
+          <p:cNvSpPr>
+            <a:spLocks noGrp="1"/>
+          </p:cNvSpPr>
+          <p:nvPr>
+            <p:ph type="sldNum" sz="quarter" idx="12"/>
+          </p:nvPr>
+        </p:nvSpPr>
+        <p:spPr>
+          <a:xfrm>
+            <a:off x="6356647" y="4663677"/>
+            <a:ext cx="2133600" cy="273844"/>
+          </a:xfrm>
+        </p:spPr>
+        <p:txBody>
+          <a:bodyPr/>
+          <a:lstStyle/>
+          <a:p>
+            <a:pPr>
+              <a:defRPr/>
+            </a:pPr>
+            <a:fld id="{A8EDAB28-6F4F-3F46-8345-72B53CB55CCC}" type="slidenum">
+              <a:rPr lang="fr-FR" smtClean="0"/>
+              <a:pPr>
+                <a:defRPr/>
+              </a:pPr>
+              <a:t>8</a:t>
+            </a:fld>
+            <a:endParaRPr lang="fr-FR" dirty="0"/>
+          </a:p>
+        </p:txBody>
+      </p:sp>
     </p:spTree>
     <p:extLst>
       <p:ext uri="{BB962C8B-B14F-4D97-AF65-F5344CB8AC3E}">
@@ -11366,4 +12254,299 @@
   </a:objectDefaults>
   <a:extraClrSchemeLst/>
 </a:theme>
+</file>
+
+<file path=ppt/theme/theme2.xml><?xml version="1.0" encoding="utf-8"?>
+<a:theme xmlns:a="http://schemas.openxmlformats.org/drawingml/2006/main" name="Thème Office">
+  <a:themeElements>
+    <a:clrScheme name="Office">
+      <a:dk1>
+        <a:sysClr val="windowText" lastClr="000000"/>
+      </a:dk1>
+      <a:lt1>
+        <a:sysClr val="window" lastClr="FFFFFF"/>
+      </a:lt1>
+      <a:dk2>
+        <a:srgbClr val="44546A"/>
+      </a:dk2>
+      <a:lt2>
+        <a:srgbClr val="E7E6E6"/>
+      </a:lt2>
+      <a:accent1>
+        <a:srgbClr val="4472C4"/>
+      </a:accent1>
+      <a:accent2>
+        <a:srgbClr val="ED7D31"/>
+      </a:accent2>
+      <a:accent3>
+        <a:srgbClr val="A5A5A5"/>
+      </a:accent3>
+      <a:accent4>
+        <a:srgbClr val="FFC000"/>
+      </a:accent4>
+      <a:accent5>
+        <a:srgbClr val="5B9BD5"/>
+      </a:accent5>
+      <a:accent6>
+        <a:srgbClr val="70AD47"/>
+      </a:accent6>
+      <a:hlink>
+        <a:srgbClr val="0563C1"/>
+      </a:hlink>
+      <a:folHlink>
+        <a:srgbClr val="954F72"/>
+      </a:folHlink>
+    </a:clrScheme>
+    <a:fontScheme name="Office">
+      <a:majorFont>
+        <a:latin typeface="Calibri Light" panose="020F0302020204030204"/>
+        <a:ea typeface=""/>
+        <a:cs typeface=""/>
+        <a:font script="Jpan" typeface="游ゴシック Light"/>
+        <a:font script="Hang" typeface="맑은 고딕"/>
+        <a:font script="Hans" typeface="等线 Light"/>
+        <a:font script="Hant" typeface="新細明體"/>
+        <a:font script="Arab" typeface="Times New Roman"/>
+        <a:font script="Hebr" typeface="Times New Roman"/>
+        <a:font script="Thai" typeface="Angsana New"/>
+        <a:font script="Ethi" typeface="Nyala"/>
+        <a:font script="Beng" typeface="Vrinda"/>
+        <a:font script="Gujr" typeface="Shruti"/>
+        <a:font script="Khmr" typeface="MoolBoran"/>
+        <a:font script="Knda" typeface="Tunga"/>
+        <a:font script="Guru" typeface="Raavi"/>
+        <a:font script="Cans" typeface="Euphemia"/>
+        <a:font script="Cher" typeface="Plantagenet Cherokee"/>
+        <a:font script="Yiii" typeface="Microsoft Yi Baiti"/>
+        <a:font script="Tibt" typeface="Microsoft Himalaya"/>
+        <a:font script="Thaa" typeface="MV Boli"/>
+        <a:font script="Deva" typeface="Mangal"/>
+        <a:font script="Telu" typeface="Gautami"/>
+        <a:font script="Taml" typeface="Latha"/>
+        <a:font script="Syrc" typeface="Estrangelo Edessa"/>
+        <a:font script="Orya" typeface="Kalinga"/>
+        <a:font script="Mlym" typeface="Kartika"/>
+        <a:font script="Laoo" typeface="DokChampa"/>
+        <a:font script="Sinh" typeface="Iskoola Pota"/>
+        <a:font script="Mong" typeface="Mongolian Baiti"/>
+        <a:font script="Viet" typeface="Times New Roman"/>
+        <a:font script="Uigh" typeface="Microsoft Uighur"/>
+        <a:font script="Geor" typeface="Sylfaen"/>
+        <a:font script="Armn" typeface="Arial"/>
+        <a:font script="Bugi" typeface="Leelawadee UI"/>
+        <a:font script="Bopo" typeface="Microsoft JhengHei"/>
+        <a:font script="Java" typeface="Javanese Text"/>
+        <a:font script="Lisu" typeface="Segoe UI"/>
+        <a:font script="Mymr" typeface="Myanmar Text"/>
+        <a:font script="Nkoo" typeface="Ebrima"/>
+        <a:font script="Olck" typeface="Nirmala UI"/>
+        <a:font script="Osma" typeface="Ebrima"/>
+        <a:font script="Phag" typeface="Phagspa"/>
+        <a:font script="Syrn" typeface="Estrangelo Edessa"/>
+        <a:font script="Syrj" typeface="Estrangelo Edessa"/>
+        <a:font script="Syre" typeface="Estrangelo Edessa"/>
+        <a:font script="Sora" typeface="Nirmala UI"/>
+        <a:font script="Tale" typeface="Microsoft Tai Le"/>
+        <a:font script="Talu" typeface="Microsoft New Tai Lue"/>
+        <a:font script="Tfng" typeface="Ebrima"/>
+      </a:majorFont>
+      <a:minorFont>
+        <a:latin typeface="Calibri" panose="020F0502020204030204"/>
+        <a:ea typeface=""/>
+        <a:cs typeface=""/>
+        <a:font script="Jpan" typeface="游ゴシック"/>
+        <a:font script="Hang" typeface="맑은 고딕"/>
+        <a:font script="Hans" typeface="等线"/>
+        <a:font script="Hant" typeface="新細明體"/>
+        <a:font script="Arab" typeface="Arial"/>
+        <a:font script="Hebr" typeface="Arial"/>
+        <a:font script="Thai" typeface="Cordia New"/>
+        <a:font script="Ethi" typeface="Nyala"/>
+        <a:font script="Beng" typeface="Vrinda"/>
+        <a:font script="Gujr" typeface="Shruti"/>
+        <a:font script="Khmr" typeface="DaunPenh"/>
+        <a:font script="Knda" typeface="Tunga"/>
+        <a:font script="Guru" typeface="Raavi"/>
+        <a:font script="Cans" typeface="Euphemia"/>
+        <a:font script="Cher" typeface="Plantagenet Cherokee"/>
+        <a:font script="Yiii" typeface="Microsoft Yi Baiti"/>
+        <a:font script="Tibt" typeface="Microsoft Himalaya"/>
+        <a:font script="Thaa" typeface="MV Boli"/>
+        <a:font script="Deva" typeface="Mangal"/>
+        <a:font script="Telu" typeface="Gautami"/>
+        <a:font script="Taml" typeface="Latha"/>
+        <a:font script="Syrc" typeface="Estrangelo Edessa"/>
+        <a:font script="Orya" typeface="Kalinga"/>
+        <a:font script="Mlym" typeface="Kartika"/>
+        <a:font script="Laoo" typeface="DokChampa"/>
+        <a:font script="Sinh" typeface="Iskoola Pota"/>
+        <a:font script="Mong" typeface="Mongolian Baiti"/>
+        <a:font script="Viet" typeface="Arial"/>
+        <a:font script="Uigh" typeface="Microsoft Uighur"/>
+        <a:font script="Geor" typeface="Sylfaen"/>
+        <a:font script="Armn" typeface="Arial"/>
+        <a:font script="Bugi" typeface="Leelawadee UI"/>
+        <a:font script="Bopo" typeface="Microsoft JhengHei"/>
+        <a:font script="Java" typeface="Javanese Text"/>
+        <a:font script="Lisu" typeface="Segoe UI"/>
+        <a:font script="Mymr" typeface="Myanmar Text"/>
+        <a:font script="Nkoo" typeface="Ebrima"/>
+        <a:font script="Olck" typeface="Nirmala UI"/>
+        <a:font script="Osma" typeface="Ebrima"/>
+        <a:font script="Phag" typeface="Phagspa"/>
+        <a:font script="Syrn" typeface="Estrangelo Edessa"/>
+        <a:font script="Syrj" typeface="Estrangelo Edessa"/>
+        <a:font script="Syre" typeface="Estrangelo Edessa"/>
+        <a:font script="Sora" typeface="Nirmala UI"/>
+        <a:font script="Tale" typeface="Microsoft Tai Le"/>
+        <a:font script="Talu" typeface="Microsoft New Tai Lue"/>
+        <a:font script="Tfng" typeface="Ebrima"/>
+      </a:minorFont>
+    </a:fontScheme>
+    <a:fmtScheme name="Office">
+      <a:fillStyleLst>
+        <a:solidFill>
+          <a:schemeClr val="phClr"/>
+        </a:solidFill>
+        <a:gradFill rotWithShape="1">
+          <a:gsLst>
+            <a:gs pos="0">
+              <a:schemeClr val="phClr">
+                <a:lumMod val="110000"/>
+                <a:satMod val="105000"/>
+                <a:tint val="67000"/>
+              </a:schemeClr>
+            </a:gs>
+            <a:gs pos="50000">
+              <a:schemeClr val="phClr">
+                <a:lumMod val="105000"/>
+                <a:satMod val="103000"/>
+                <a:tint val="73000"/>
+              </a:schemeClr>
+            </a:gs>
+            <a:gs pos="100000">
+              <a:schemeClr val="phClr">
+                <a:lumMod val="105000"/>
+                <a:satMod val="109000"/>
+                <a:tint val="81000"/>
+              </a:schemeClr>
+            </a:gs>
+          </a:gsLst>
+          <a:lin ang="5400000" scaled="0"/>
+        </a:gradFill>
+        <a:gradFill rotWithShape="1">
+          <a:gsLst>
+            <a:gs pos="0">
+              <a:schemeClr val="phClr">
+                <a:satMod val="103000"/>
+                <a:lumMod val="102000"/>
+                <a:tint val="94000"/>
+              </a:schemeClr>
+            </a:gs>
+            <a:gs pos="50000">
+              <a:schemeClr val="phClr">
+                <a:satMod val="110000"/>
+                <a:lumMod val="100000"/>
+                <a:shade val="100000"/>
+              </a:schemeClr>
+            </a:gs>
+            <a:gs pos="100000">
+              <a:schemeClr val="phClr">
+                <a:lumMod val="99000"/>
+                <a:satMod val="120000"/>
+                <a:shade val="78000"/>
+              </a:schemeClr>
+            </a:gs>
+          </a:gsLst>
+          <a:lin ang="5400000" scaled="0"/>
+        </a:gradFill>
+      </a:fillStyleLst>
+      <a:lnStyleLst>
+        <a:ln w="6350" cap="flat" cmpd="sng" algn="ctr">
+          <a:solidFill>
+            <a:schemeClr val="phClr"/>
+          </a:solidFill>
+          <a:prstDash val="solid"/>
+          <a:miter lim="800000"/>
+        </a:ln>
+        <a:ln w="12700" cap="flat" cmpd="sng" algn="ctr">
+          <a:solidFill>
+            <a:schemeClr val="phClr"/>
+          </a:solidFill>
+          <a:prstDash val="solid"/>
+          <a:miter lim="800000"/>
+        </a:ln>
+        <a:ln w="19050" cap="flat" cmpd="sng" algn="ctr">
+          <a:solidFill>
+            <a:schemeClr val="phClr"/>
+          </a:solidFill>
+          <a:prstDash val="solid"/>
+          <a:miter lim="800000"/>
+        </a:ln>
+      </a:lnStyleLst>
+      <a:effectStyleLst>
+        <a:effectStyle>
+          <a:effectLst/>
+        </a:effectStyle>
+        <a:effectStyle>
+          <a:effectLst/>
+        </a:effectStyle>
+        <a:effectStyle>
+          <a:effectLst>
+            <a:outerShdw blurRad="57150" dist="19050" dir="5400000" algn="ctr" rotWithShape="0">
+              <a:srgbClr val="000000">
+                <a:alpha val="63000"/>
+              </a:srgbClr>
+            </a:outerShdw>
+          </a:effectLst>
+        </a:effectStyle>
+      </a:effectStyleLst>
+      <a:bgFillStyleLst>
+        <a:solidFill>
+          <a:schemeClr val="phClr"/>
+        </a:solidFill>
+        <a:solidFill>
+          <a:schemeClr val="phClr">
+            <a:tint val="95000"/>
+            <a:satMod val="170000"/>
+          </a:schemeClr>
+        </a:solidFill>
+        <a:gradFill rotWithShape="1">
+          <a:gsLst>
+            <a:gs pos="0">
+              <a:schemeClr val="phClr">
+                <a:tint val="93000"/>
+                <a:satMod val="150000"/>
+                <a:shade val="98000"/>
+                <a:lumMod val="102000"/>
+              </a:schemeClr>
+            </a:gs>
+            <a:gs pos="50000">
+              <a:schemeClr val="phClr">
+                <a:tint val="98000"/>
+                <a:satMod val="130000"/>
+                <a:shade val="90000"/>
+                <a:lumMod val="103000"/>
+              </a:schemeClr>
+            </a:gs>
+            <a:gs pos="100000">
+              <a:schemeClr val="phClr">
+                <a:shade val="63000"/>
+                <a:satMod val="120000"/>
+              </a:schemeClr>
+            </a:gs>
+          </a:gsLst>
+          <a:lin ang="5400000" scaled="0"/>
+        </a:gradFill>
+      </a:bgFillStyleLst>
+    </a:fmtScheme>
+  </a:themeElements>
+  <a:objectDefaults/>
+  <a:extraClrSchemeLst/>
+  <a:extLst>
+    <a:ext uri="{05A4C25C-085E-4340-85A3-A5531E510DB2}">
+      <thm15:themeFamily xmlns:thm15="http://schemas.microsoft.com/office/thememl/2012/main" name="Office Theme" id="{62F939B6-93AF-4DB8-9C6B-D6C7DFDC589F}" vid="{4A3C46E8-61CC-4603-A589-7422A47A8E4A}"/>
+    </a:ext>
+  </a:extLst>
+</a:theme>
 </file>
--- a/presentation.pptx
+++ b/presentation.pptx
@@ -21,8 +21,8 @@
     <p:sldId id="278" r:id="rId12"/>
     <p:sldId id="279" r:id="rId13"/>
     <p:sldId id="280" r:id="rId14"/>
-    <p:sldId id="275" r:id="rId15"/>
-    <p:sldId id="281" r:id="rId16"/>
+    <p:sldId id="282" r:id="rId15"/>
+    <p:sldId id="283" r:id="rId16"/>
     <p:sldId id="277" r:id="rId17"/>
   </p:sldIdLst>
   <p:sldSz cx="9144000" cy="5143500" type="screen16x9"/>
@@ -386,7 +386,7 @@
           <a:p>
             <a:fld id="{C1F259B9-D364-9040-95C9-2A26E731232E}" type="slidenum">
               <a:rPr lang="fr-FR" smtClean="0"/>
-              <a:t>‹N°›</a:t>
+              <a:t>‹#›</a:t>
             </a:fld>
             <a:endParaRPr lang="fr-FR"/>
           </a:p>
@@ -495,6 +495,493 @@
 </p:notesMaster>
 </file>
 
+<file path=ppt/notesSlides/notesSlide1.xml><?xml version="1.0" encoding="utf-8"?>
+<p:notes xmlns:a="http://schemas.openxmlformats.org/drawingml/2006/main" xmlns:r="http://schemas.openxmlformats.org/officeDocument/2006/relationships" xmlns:p="http://schemas.openxmlformats.org/presentationml/2006/main">
+  <p:cSld>
+    <p:spTree>
+      <p:nvGrpSpPr>
+        <p:cNvPr id="1" name=""/>
+        <p:cNvGrpSpPr/>
+        <p:nvPr/>
+      </p:nvGrpSpPr>
+      <p:grpSpPr>
+        <a:xfrm>
+          <a:off x="0" y="0"/>
+          <a:ext cx="0" cy="0"/>
+          <a:chOff x="0" y="0"/>
+          <a:chExt cx="0" cy="0"/>
+        </a:xfrm>
+      </p:grpSpPr>
+      <p:sp>
+        <p:nvSpPr>
+          <p:cNvPr id="2" name="Slide Image Placeholder 1"/>
+          <p:cNvSpPr>
+            <a:spLocks noGrp="1" noRot="1" noChangeAspect="1"/>
+          </p:cNvSpPr>
+          <p:nvPr>
+            <p:ph type="sldImg"/>
+          </p:nvPr>
+        </p:nvSpPr>
+        <p:spPr/>
+      </p:sp>
+      <p:sp>
+        <p:nvSpPr>
+          <p:cNvPr id="3" name="Notes Placeholder 2"/>
+          <p:cNvSpPr>
+            <a:spLocks noGrp="1"/>
+          </p:cNvSpPr>
+          <p:nvPr>
+            <p:ph type="body" idx="1"/>
+          </p:nvPr>
+        </p:nvSpPr>
+        <p:spPr/>
+        <p:txBody>
+          <a:bodyPr/>
+          <a:lstStyle/>
+          <a:p>
+            <a:r>
+              <a:rPr lang="fr-FR" dirty="0"/>
+              <a:t>Maintenant que nous avons posé le principe du problème que nous étudions le but sera de le résoudre le plus efficacement possible, c’est-à-dire le plus rapidement possible, tout en essayant d’obtenir une solution avec un coût faible.</a:t>
+            </a:r>
+          </a:p>
+          <a:p>
+            <a:endParaRPr lang="fr-FR" dirty="0"/>
+          </a:p>
+          <a:p>
+            <a:r>
+              <a:rPr lang="fr-FR" dirty="0"/>
+              <a:t>Les premières choses que nous avons mises en place ont été de toujours choisir l’avion avec le domaine le plus restreint possible, et la manœuvre avec le coût le moins élevé.</a:t>
+            </a:r>
+          </a:p>
+          <a:p>
+            <a:endParaRPr lang="fr-FR" dirty="0"/>
+          </a:p>
+          <a:p>
+            <a:r>
+              <a:rPr lang="fr-FR" dirty="0"/>
+              <a:t>Le critère principal que l’on a utilisé pour évalue les performances en vitesse d’exécution de notre programme était le nombre de nœuds explorés, comme c’est un critère complétement indépendant du matériel utilisé. On a mis ces résultats en relation avec le nombre d’avions le nombre d’avion puisque ce que l’on cherche à faire finalement c’est retarder l’explosion combinatoire.</a:t>
+            </a:r>
+          </a:p>
+          <a:p>
+            <a:endParaRPr lang="fr-FR" dirty="0"/>
+          </a:p>
+          <a:p>
+            <a:r>
+              <a:rPr lang="fr-FR" dirty="0"/>
+              <a:t>On a eu deux axes de recherche, d’amélioration : qui vous ont été présentés par Sam et Dorian c’est-à-dire le filtre pour les conflits et la borne.</a:t>
+            </a:r>
+          </a:p>
+        </p:txBody>
+      </p:sp>
+      <p:sp>
+        <p:nvSpPr>
+          <p:cNvPr id="4" name="Slide Number Placeholder 3"/>
+          <p:cNvSpPr>
+            <a:spLocks noGrp="1"/>
+          </p:cNvSpPr>
+          <p:nvPr>
+            <p:ph type="sldNum" sz="quarter" idx="10"/>
+          </p:nvPr>
+        </p:nvSpPr>
+        <p:spPr/>
+        <p:txBody>
+          <a:bodyPr/>
+          <a:lstStyle/>
+          <a:p>
+            <a:fld id="{4B4222B1-677A-AF45-8AD0-140D41F4FDA3}" type="slidenum">
+              <a:rPr lang="fr-FR" smtClean="0"/>
+              <a:t>13</a:t>
+            </a:fld>
+            <a:endParaRPr lang="fr-FR"/>
+          </a:p>
+        </p:txBody>
+      </p:sp>
+    </p:spTree>
+    <p:extLst>
+      <p:ext uri="{BB962C8B-B14F-4D97-AF65-F5344CB8AC3E}">
+        <p14:creationId xmlns:p14="http://schemas.microsoft.com/office/powerpoint/2010/main" val="744719464"/>
+      </p:ext>
+    </p:extLst>
+  </p:cSld>
+  <p:clrMapOvr>
+    <a:masterClrMapping/>
+  </p:clrMapOvr>
+</p:notes>
+</file>
+
+<file path=ppt/notesSlides/notesSlide2.xml><?xml version="1.0" encoding="utf-8"?>
+<p:notes xmlns:a="http://schemas.openxmlformats.org/drawingml/2006/main" xmlns:r="http://schemas.openxmlformats.org/officeDocument/2006/relationships" xmlns:p="http://schemas.openxmlformats.org/presentationml/2006/main">
+  <p:cSld>
+    <p:spTree>
+      <p:nvGrpSpPr>
+        <p:cNvPr id="1" name=""/>
+        <p:cNvGrpSpPr/>
+        <p:nvPr/>
+      </p:nvGrpSpPr>
+      <p:grpSpPr>
+        <a:xfrm>
+          <a:off x="0" y="0"/>
+          <a:ext cx="0" cy="0"/>
+          <a:chOff x="0" y="0"/>
+          <a:chExt cx="0" cy="0"/>
+        </a:xfrm>
+      </p:grpSpPr>
+      <p:sp>
+        <p:nvSpPr>
+          <p:cNvPr id="2" name="Slide Image Placeholder 1"/>
+          <p:cNvSpPr>
+            <a:spLocks noGrp="1" noRot="1" noChangeAspect="1"/>
+          </p:cNvSpPr>
+          <p:nvPr>
+            <p:ph type="sldImg"/>
+          </p:nvPr>
+        </p:nvSpPr>
+        <p:spPr/>
+      </p:sp>
+      <p:sp>
+        <p:nvSpPr>
+          <p:cNvPr id="3" name="Notes Placeholder 2"/>
+          <p:cNvSpPr>
+            <a:spLocks noGrp="1"/>
+          </p:cNvSpPr>
+          <p:nvPr>
+            <p:ph type="body" idx="1"/>
+          </p:nvPr>
+        </p:nvSpPr>
+        <p:spPr/>
+        <p:txBody>
+          <a:bodyPr/>
+          <a:lstStyle/>
+          <a:p>
+            <a:r>
+              <a:rPr lang="fr-FR" dirty="0" err="1"/>
+              <a:t>Mij</a:t>
+            </a:r>
+            <a:r>
+              <a:rPr lang="fr-FR" dirty="0"/>
+              <a:t> 20 -&gt; 75</a:t>
+            </a:r>
+          </a:p>
+          <a:p>
+            <a:r>
+              <a:rPr lang="fr-FR" dirty="0" err="1"/>
+              <a:t>Naive</a:t>
+            </a:r>
+            <a:r>
+              <a:rPr lang="fr-FR" dirty="0"/>
+              <a:t> 20 -&gt; 16740</a:t>
+            </a:r>
+          </a:p>
+          <a:p>
+            <a:r>
+              <a:rPr lang="fr-FR" dirty="0"/>
+              <a:t>Soit 223 fois plus rapides</a:t>
+            </a:r>
+          </a:p>
+          <a:p>
+            <a:endParaRPr lang="fr-FR" dirty="0"/>
+          </a:p>
+          <a:p>
+            <a:r>
+              <a:rPr lang="fr-FR" dirty="0" err="1"/>
+              <a:t>Mij</a:t>
+            </a:r>
+            <a:r>
+              <a:rPr lang="fr-FR" dirty="0"/>
+              <a:t> 25 </a:t>
+            </a:r>
+            <a:r>
+              <a:rPr lang="fr-FR" dirty="0">
+                <a:sym typeface="Wingdings" pitchFamily="2" charset="2"/>
+              </a:rPr>
+              <a:t> 113</a:t>
+            </a:r>
+          </a:p>
+          <a:p>
+            <a:r>
+              <a:rPr lang="fr-FR" dirty="0" err="1">
+                <a:sym typeface="Wingdings" pitchFamily="2" charset="2"/>
+              </a:rPr>
+              <a:t>Naive</a:t>
+            </a:r>
+            <a:r>
+              <a:rPr lang="fr-FR" dirty="0">
+                <a:sym typeface="Wingdings" pitchFamily="2" charset="2"/>
+              </a:rPr>
+              <a:t> 25  79940</a:t>
+            </a:r>
+          </a:p>
+          <a:p>
+            <a:r>
+              <a:rPr lang="fr-FR" dirty="0">
+                <a:sym typeface="Wingdings" pitchFamily="2" charset="2"/>
+              </a:rPr>
+              <a:t>Soit 707 fois plus rapide </a:t>
+            </a:r>
+          </a:p>
+          <a:p>
+            <a:endParaRPr lang="fr-FR" dirty="0">
+              <a:sym typeface="Wingdings" pitchFamily="2" charset="2"/>
+            </a:endParaRPr>
+          </a:p>
+          <a:p>
+            <a:r>
+              <a:rPr lang="fr-FR" dirty="0">
+                <a:sym typeface="Wingdings" pitchFamily="2" charset="2"/>
+              </a:rPr>
+              <a:t>On passe d’environ une centaine à plus de 10 000, voire près de 100 000. </a:t>
+            </a:r>
+          </a:p>
+          <a:p>
+            <a:endParaRPr lang="fr-FR" dirty="0">
+              <a:sym typeface="Wingdings" pitchFamily="2" charset="2"/>
+            </a:endParaRPr>
+          </a:p>
+          <a:p>
+            <a:r>
+              <a:rPr lang="fr-FR" dirty="0">
+                <a:sym typeface="Wingdings" pitchFamily="2" charset="2"/>
+              </a:rPr>
+              <a:t>Il est important de remarquer que nous avons fait ces comparaisons pour des problèmes que nous avons réussi à résoudre avec l’algorithme naïf. En particulier pour 25 avions on a résolu d’autres instances avec la borne </a:t>
+            </a:r>
+            <a:r>
+              <a:rPr lang="fr-FR" dirty="0" err="1">
+                <a:sym typeface="Wingdings" pitchFamily="2" charset="2"/>
+              </a:rPr>
+              <a:t>mij</a:t>
+            </a:r>
+            <a:r>
+              <a:rPr lang="fr-FR" dirty="0">
+                <a:sym typeface="Wingdings" pitchFamily="2" charset="2"/>
+              </a:rPr>
+              <a:t>. On a des chiffres plus importants, avec un cas particulier à plus de 160000 nœuds. Parfois l’ordre de grandeur des nœuds explorés sera la centaine, parfois le milliers de nœuds explorés.</a:t>
+            </a:r>
+          </a:p>
+          <a:p>
+            <a:endParaRPr lang="fr-FR" dirty="0">
+              <a:sym typeface="Wingdings" pitchFamily="2" charset="2"/>
+            </a:endParaRPr>
+          </a:p>
+          <a:p>
+            <a:r>
+              <a:rPr lang="fr-FR" dirty="0">
+                <a:sym typeface="Wingdings" pitchFamily="2" charset="2"/>
+              </a:rPr>
+              <a:t>Pour l’algorithme naïf on a un temps de résolution de l’ordre d’une centaine de seconde, pour </a:t>
+            </a:r>
+            <a:r>
+              <a:rPr lang="fr-FR" dirty="0" err="1">
+                <a:sym typeface="Wingdings" pitchFamily="2" charset="2"/>
+              </a:rPr>
+              <a:t>mij</a:t>
+            </a:r>
+            <a:r>
+              <a:rPr lang="fr-FR" dirty="0">
+                <a:sym typeface="Wingdings" pitchFamily="2" charset="2"/>
+              </a:rPr>
+              <a:t> ce serait plutôt de l’ordre d’une dizaine de secondes.</a:t>
+            </a:r>
+          </a:p>
+        </p:txBody>
+      </p:sp>
+      <p:sp>
+        <p:nvSpPr>
+          <p:cNvPr id="4" name="Slide Number Placeholder 3"/>
+          <p:cNvSpPr>
+            <a:spLocks noGrp="1"/>
+          </p:cNvSpPr>
+          <p:nvPr>
+            <p:ph type="sldNum" sz="quarter" idx="10"/>
+          </p:nvPr>
+        </p:nvSpPr>
+        <p:spPr/>
+        <p:txBody>
+          <a:bodyPr/>
+          <a:lstStyle/>
+          <a:p>
+            <a:fld id="{4B4222B1-677A-AF45-8AD0-140D41F4FDA3}" type="slidenum">
+              <a:rPr lang="fr-FR" smtClean="0"/>
+              <a:t>14</a:t>
+            </a:fld>
+            <a:endParaRPr lang="fr-FR"/>
+          </a:p>
+        </p:txBody>
+      </p:sp>
+    </p:spTree>
+    <p:extLst>
+      <p:ext uri="{BB962C8B-B14F-4D97-AF65-F5344CB8AC3E}">
+        <p14:creationId xmlns:p14="http://schemas.microsoft.com/office/powerpoint/2010/main" val="3622584203"/>
+      </p:ext>
+    </p:extLst>
+  </p:cSld>
+  <p:clrMapOvr>
+    <a:masterClrMapping/>
+  </p:clrMapOvr>
+</p:notes>
+</file>
+
+<file path=ppt/notesSlides/notesSlide3.xml><?xml version="1.0" encoding="utf-8"?>
+<p:notes xmlns:a="http://schemas.openxmlformats.org/drawingml/2006/main" xmlns:r="http://schemas.openxmlformats.org/officeDocument/2006/relationships" xmlns:p="http://schemas.openxmlformats.org/presentationml/2006/main">
+  <p:cSld>
+    <p:spTree>
+      <p:nvGrpSpPr>
+        <p:cNvPr id="1" name=""/>
+        <p:cNvGrpSpPr/>
+        <p:nvPr/>
+      </p:nvGrpSpPr>
+      <p:grpSpPr>
+        <a:xfrm>
+          <a:off x="0" y="0"/>
+          <a:ext cx="0" cy="0"/>
+          <a:chOff x="0" y="0"/>
+          <a:chExt cx="0" cy="0"/>
+        </a:xfrm>
+      </p:grpSpPr>
+      <p:sp>
+        <p:nvSpPr>
+          <p:cNvPr id="2" name="Slide Image Placeholder 1"/>
+          <p:cNvSpPr>
+            <a:spLocks noGrp="1" noRot="1" noChangeAspect="1"/>
+          </p:cNvSpPr>
+          <p:nvPr>
+            <p:ph type="sldImg"/>
+          </p:nvPr>
+        </p:nvSpPr>
+        <p:spPr/>
+      </p:sp>
+      <p:sp>
+        <p:nvSpPr>
+          <p:cNvPr id="3" name="Notes Placeholder 2"/>
+          <p:cNvSpPr>
+            <a:spLocks noGrp="1"/>
+          </p:cNvSpPr>
+          <p:nvPr>
+            <p:ph type="body" idx="1"/>
+          </p:nvPr>
+        </p:nvSpPr>
+        <p:spPr/>
+        <p:txBody>
+          <a:bodyPr/>
+          <a:lstStyle/>
+          <a:p>
+            <a:r>
+              <a:rPr lang="fr-FR" dirty="0"/>
+              <a:t>Travail réalisé :</a:t>
+            </a:r>
+          </a:p>
+          <a:p>
+            <a:r>
+              <a:rPr lang="fr-FR" dirty="0"/>
+              <a:t>	Application du cours IA, progrès en </a:t>
+            </a:r>
+            <a:r>
+              <a:rPr lang="fr-FR" dirty="0" err="1"/>
+              <a:t>OCamL</a:t>
+            </a:r>
+            <a:endParaRPr lang="fr-FR" dirty="0"/>
+          </a:p>
+          <a:p>
+            <a:r>
+              <a:rPr lang="fr-FR" dirty="0"/>
+              <a:t>	Mais aussi utilisation d’outils assez nouveaux : </a:t>
+            </a:r>
+            <a:r>
+              <a:rPr lang="fr-FR" dirty="0" err="1"/>
+              <a:t>Makefile</a:t>
+            </a:r>
+            <a:r>
+              <a:rPr lang="fr-FR" dirty="0"/>
+              <a:t>, </a:t>
+            </a:r>
+            <a:r>
+              <a:rPr lang="fr-FR" dirty="0" err="1"/>
+              <a:t>Github</a:t>
+            </a:r>
+            <a:r>
+              <a:rPr lang="fr-FR" dirty="0"/>
+              <a:t>, script </a:t>
+            </a:r>
+            <a:r>
+              <a:rPr lang="fr-FR" dirty="0" err="1"/>
+              <a:t>unix</a:t>
+            </a:r>
+            <a:endParaRPr lang="fr-FR" dirty="0"/>
+          </a:p>
+          <a:p>
+            <a:r>
+              <a:rPr lang="fr-FR" dirty="0"/>
+              <a:t>	On a aussi été confrontés à des problèmes nouveaux : notamment à la gestion de cas particuliers puisque pour ce problème nous étions intéressés par un résultat moyen sur de nombreuses instances, plutôt que sur l’optimalité d’un résultat en particulier, c’est une nouvelle manière pour nous d’aborder un </a:t>
+            </a:r>
+            <a:r>
+              <a:rPr lang="fr-FR"/>
+              <a:t>problème.</a:t>
+            </a:r>
+          </a:p>
+          <a:p>
+            <a:endParaRPr lang="fr-FR" dirty="0"/>
+          </a:p>
+          <a:p>
+            <a:r>
+              <a:rPr lang="fr-FR" dirty="0"/>
+              <a:t>Evolution du projet :</a:t>
+            </a:r>
+          </a:p>
+          <a:p>
+            <a:r>
+              <a:rPr lang="fr-FR" dirty="0"/>
+              <a:t>	Contrairement à notre première intuition l’évolution la plus intéressante a été celle due à la nouvelle borne. </a:t>
+            </a:r>
+          </a:p>
+          <a:p>
+            <a:r>
+              <a:rPr lang="fr-FR" dirty="0"/>
+              <a:t>	C’est aussi du au fait que nous étions au départ trop concentrés sur le temps de calcul, quand le nombre de nœuds explorés était un critère bien plus intéressant.</a:t>
+            </a:r>
+          </a:p>
+          <a:p>
+            <a:r>
+              <a:rPr lang="fr-FR" dirty="0"/>
+              <a:t>	Pour continuer d’améliorer le projet, il serait intéressant de travailler sur de nouvelles bornes encore plus restrictives.</a:t>
+            </a:r>
+          </a:p>
+        </p:txBody>
+      </p:sp>
+      <p:sp>
+        <p:nvSpPr>
+          <p:cNvPr id="4" name="Slide Number Placeholder 3"/>
+          <p:cNvSpPr>
+            <a:spLocks noGrp="1"/>
+          </p:cNvSpPr>
+          <p:nvPr>
+            <p:ph type="sldNum" sz="quarter" idx="10"/>
+          </p:nvPr>
+        </p:nvSpPr>
+        <p:spPr/>
+        <p:txBody>
+          <a:bodyPr/>
+          <a:lstStyle/>
+          <a:p>
+            <a:fld id="{4B4222B1-677A-AF45-8AD0-140D41F4FDA3}" type="slidenum">
+              <a:rPr lang="fr-FR" smtClean="0"/>
+              <a:t>15</a:t>
+            </a:fld>
+            <a:endParaRPr lang="fr-FR"/>
+          </a:p>
+        </p:txBody>
+      </p:sp>
+    </p:spTree>
+    <p:extLst>
+      <p:ext uri="{BB962C8B-B14F-4D97-AF65-F5344CB8AC3E}">
+        <p14:creationId xmlns:p14="http://schemas.microsoft.com/office/powerpoint/2010/main" val="3378735490"/>
+      </p:ext>
+    </p:extLst>
+  </p:cSld>
+  <p:clrMapOvr>
+    <a:masterClrMapping/>
+  </p:clrMapOvr>
+</p:notes>
+</file>
+
 <file path=ppt/slideLayouts/slideLayout1.xml><?xml version="1.0" encoding="utf-8"?>
 <p:sldLayout xmlns:a="http://schemas.openxmlformats.org/drawingml/2006/main" xmlns:r="http://schemas.openxmlformats.org/officeDocument/2006/relationships" xmlns:p="http://schemas.openxmlformats.org/presentationml/2006/main" type="title" preserve="1">
   <p:cSld name="Diapositive de titre">
@@ -740,7 +1227,7 @@
               <a:pPr>
                 <a:defRPr/>
               </a:pPr>
-              <a:t>‹N°›</a:t>
+              <a:t>‹#›</a:t>
             </a:fld>
             <a:endParaRPr lang="fr-FR"/>
           </a:p>
@@ -932,7 +1419,7 @@
               <a:pPr>
                 <a:defRPr/>
               </a:pPr>
-              <a:t>‹N°›</a:t>
+              <a:t>‹#›</a:t>
             </a:fld>
             <a:endParaRPr lang="fr-FR"/>
           </a:p>
@@ -1134,7 +1621,7 @@
               <a:pPr>
                 <a:defRPr/>
               </a:pPr>
-              <a:t>‹N°›</a:t>
+              <a:t>‹#›</a:t>
             </a:fld>
             <a:endParaRPr lang="fr-FR"/>
           </a:p>
@@ -1326,7 +1813,7 @@
               <a:pPr>
                 <a:defRPr/>
               </a:pPr>
-              <a:t>‹N°›</a:t>
+              <a:t>‹#›</a:t>
             </a:fld>
             <a:endParaRPr lang="fr-FR"/>
           </a:p>
@@ -1595,7 +2082,7 @@
               <a:pPr>
                 <a:defRPr/>
               </a:pPr>
-              <a:t>‹N°›</a:t>
+              <a:t>‹#›</a:t>
             </a:fld>
             <a:endParaRPr lang="fr-FR"/>
           </a:p>
@@ -1904,7 +2391,7 @@
               <a:pPr>
                 <a:defRPr/>
               </a:pPr>
-              <a:t>‹N°›</a:t>
+              <a:t>‹#›</a:t>
             </a:fld>
             <a:endParaRPr lang="fr-FR"/>
           </a:p>
@@ -2347,7 +2834,7 @@
               <a:pPr>
                 <a:defRPr/>
               </a:pPr>
-              <a:t>‹N°›</a:t>
+              <a:t>‹#›</a:t>
             </a:fld>
             <a:endParaRPr lang="fr-FR"/>
           </a:p>
@@ -2488,7 +2975,7 @@
               <a:pPr>
                 <a:defRPr/>
               </a:pPr>
-              <a:t>‹N°›</a:t>
+              <a:t>‹#›</a:t>
             </a:fld>
             <a:endParaRPr lang="fr-FR"/>
           </a:p>
@@ -2607,7 +3094,7 @@
               <a:pPr>
                 <a:defRPr/>
               </a:pPr>
-              <a:t>‹N°›</a:t>
+              <a:t>‹#›</a:t>
             </a:fld>
             <a:endParaRPr lang="fr-FR"/>
           </a:p>
@@ -2906,7 +3393,7 @@
               <a:pPr>
                 <a:defRPr/>
               </a:pPr>
-              <a:t>‹N°›</a:t>
+              <a:t>‹#›</a:t>
             </a:fld>
             <a:endParaRPr lang="fr-FR"/>
           </a:p>
@@ -3188,7 +3675,7 @@
               <a:pPr>
                 <a:defRPr/>
               </a:pPr>
-              <a:t>‹N°›</a:t>
+              <a:t>‹#›</a:t>
             </a:fld>
             <a:endParaRPr lang="fr-FR"/>
           </a:p>
@@ -3260,14 +3747,14 @@
           </a:ln>
           <a:extLst>
             <a:ext uri="{909E8E84-426E-40dd-AFC4-6F175D3DCCD1}">
-              <a14:hiddenFill xmlns:a14="http://schemas.microsoft.com/office/drawing/2010/main" xmlns="">
+              <a14:hiddenFill xmlns="" xmlns:a14="http://schemas.microsoft.com/office/drawing/2010/main">
                 <a:solidFill>
                   <a:srgbClr val="FFFFFF"/>
                 </a:solidFill>
               </a14:hiddenFill>
             </a:ext>
             <a:ext uri="{91240B29-F687-4f45-9708-019B960494DF}">
-              <a14:hiddenLine xmlns:a14="http://schemas.microsoft.com/office/drawing/2010/main" xmlns="" w="9525">
+              <a14:hiddenLine xmlns="" xmlns:a14="http://schemas.microsoft.com/office/drawing/2010/main" w="9525">
                 <a:solidFill>
                   <a:srgbClr val="000000"/>
                 </a:solidFill>
@@ -3277,7 +3764,7 @@
               </a14:hiddenLine>
             </a:ext>
             <a:ext uri="{FAA26D3D-D897-4be2-8F04-BA451C77F1D7}">
-              <ma14:placeholderFlag xmlns:ma14="http://schemas.microsoft.com/office/mac/drawingml/2011/main" xmlns="" val="1"/>
+              <ma14:placeholderFlag xmlns="" xmlns:ma14="http://schemas.microsoft.com/office/mac/drawingml/2011/main" val="1"/>
             </a:ext>
           </a:extLst>
         </p:spPr>
@@ -3321,14 +3808,14 @@
           </a:ln>
           <a:extLst>
             <a:ext uri="{909E8E84-426E-40dd-AFC4-6F175D3DCCD1}">
-              <a14:hiddenFill xmlns:a14="http://schemas.microsoft.com/office/drawing/2010/main" xmlns="">
+              <a14:hiddenFill xmlns="" xmlns:a14="http://schemas.microsoft.com/office/drawing/2010/main">
                 <a:solidFill>
                   <a:srgbClr val="FFFFFF"/>
                 </a:solidFill>
               </a14:hiddenFill>
             </a:ext>
             <a:ext uri="{91240B29-F687-4f45-9708-019B960494DF}">
-              <a14:hiddenLine xmlns:a14="http://schemas.microsoft.com/office/drawing/2010/main" xmlns="" w="9525">
+              <a14:hiddenLine xmlns="" xmlns:a14="http://schemas.microsoft.com/office/drawing/2010/main" w="9525">
                 <a:solidFill>
                   <a:srgbClr val="000000"/>
                 </a:solidFill>
@@ -3338,7 +3825,7 @@
               </a14:hiddenLine>
             </a:ext>
             <a:ext uri="{FAA26D3D-D897-4be2-8F04-BA451C77F1D7}">
-              <ma14:placeholderFlag xmlns:ma14="http://schemas.microsoft.com/office/mac/drawingml/2011/main" xmlns="" val="1"/>
+              <ma14:placeholderFlag xmlns="" xmlns:ma14="http://schemas.microsoft.com/office/mac/drawingml/2011/main" val="1"/>
             </a:ext>
           </a:extLst>
         </p:spPr>
@@ -3538,7 +4025,7 @@
               <a:pPr>
                 <a:defRPr/>
               </a:pPr>
-              <a:t>‹N°›</a:t>
+              <a:t>‹#›</a:t>
             </a:fld>
             <a:endParaRPr lang="fr-FR"/>
           </a:p>
@@ -4353,14 +4840,14 @@
           </a:ln>
           <a:extLst>
             <a:ext uri="{909E8E84-426E-40dd-AFC4-6F175D3DCCD1}">
-              <a14:hiddenFill xmlns="" xmlns:a14="http://schemas.microsoft.com/office/drawing/2010/main">
+              <a14:hiddenFill xmlns:a14="http://schemas.microsoft.com/office/drawing/2010/main" xmlns="">
                 <a:solidFill>
                   <a:srgbClr val="FFFFFF"/>
                 </a:solidFill>
               </a14:hiddenFill>
             </a:ext>
             <a:ext uri="{91240B29-F687-4f45-9708-019B960494DF}">
-              <a14:hiddenLine xmlns="" xmlns:a14="http://schemas.microsoft.com/office/drawing/2010/main" w="9525">
+              <a14:hiddenLine xmlns:a14="http://schemas.microsoft.com/office/drawing/2010/main" xmlns="" w="9525">
                 <a:solidFill>
                   <a:srgbClr val="000000"/>
                 </a:solidFill>
@@ -4370,7 +4857,7 @@
               </a14:hiddenLine>
             </a:ext>
             <a:ext uri="{FAA26D3D-D897-4be2-8F04-BA451C77F1D7}">
-              <ma14:placeholderFlag xmlns="" xmlns:ma14="http://schemas.microsoft.com/office/mac/drawingml/2011/main" val="1"/>
+              <ma14:placeholderFlag xmlns:ma14="http://schemas.microsoft.com/office/mac/drawingml/2011/main" xmlns="" val="1"/>
             </a:ext>
           </a:extLst>
         </p:spPr>
@@ -4612,14 +5099,14 @@
           </a:ln>
           <a:extLst>
             <a:ext uri="{909E8E84-426E-40dd-AFC4-6F175D3DCCD1}">
-              <a14:hiddenFill xmlns="" xmlns:a14="http://schemas.microsoft.com/office/drawing/2010/main">
+              <a14:hiddenFill xmlns:a14="http://schemas.microsoft.com/office/drawing/2010/main" xmlns="">
                 <a:solidFill>
                   <a:srgbClr val="FFFFFF"/>
                 </a:solidFill>
               </a14:hiddenFill>
             </a:ext>
             <a:ext uri="{91240B29-F687-4f45-9708-019B960494DF}">
-              <a14:hiddenLine xmlns="" xmlns:a14="http://schemas.microsoft.com/office/drawing/2010/main" w="9525">
+              <a14:hiddenLine xmlns:a14="http://schemas.microsoft.com/office/drawing/2010/main" xmlns="" w="9525">
                 <a:solidFill>
                   <a:srgbClr val="000000"/>
                 </a:solidFill>
@@ -4629,7 +5116,7 @@
               </a14:hiddenLine>
             </a:ext>
             <a:ext uri="{FAA26D3D-D897-4be2-8F04-BA451C77F1D7}">
-              <ma14:placeholderFlag xmlns="" xmlns:ma14="http://schemas.microsoft.com/office/mac/drawingml/2011/main" val="1"/>
+              <ma14:placeholderFlag xmlns:ma14="http://schemas.microsoft.com/office/mac/drawingml/2011/main" xmlns="" val="1"/>
             </a:ext>
           </a:extLst>
         </p:spPr>
@@ -4913,14 +5400,14 @@
           </a:ln>
           <a:extLst>
             <a:ext uri="{909E8E84-426E-40dd-AFC4-6F175D3DCCD1}">
-              <a14:hiddenFill xmlns="" xmlns:a14="http://schemas.microsoft.com/office/drawing/2010/main">
+              <a14:hiddenFill xmlns:a14="http://schemas.microsoft.com/office/drawing/2010/main" xmlns="">
                 <a:solidFill>
                   <a:srgbClr val="FFFFFF"/>
                 </a:solidFill>
               </a14:hiddenFill>
             </a:ext>
             <a:ext uri="{91240B29-F687-4f45-9708-019B960494DF}">
-              <a14:hiddenLine xmlns="" xmlns:a14="http://schemas.microsoft.com/office/drawing/2010/main" w="9525">
+              <a14:hiddenLine xmlns:a14="http://schemas.microsoft.com/office/drawing/2010/main" xmlns="" w="9525">
                 <a:solidFill>
                   <a:srgbClr val="000000"/>
                 </a:solidFill>
@@ -4930,7 +5417,7 @@
               </a14:hiddenLine>
             </a:ext>
             <a:ext uri="{FAA26D3D-D897-4be2-8F04-BA451C77F1D7}">
-              <ma14:placeholderFlag xmlns="" xmlns:ma14="http://schemas.microsoft.com/office/mac/drawingml/2011/main" val="1"/>
+              <ma14:placeholderFlag xmlns:ma14="http://schemas.microsoft.com/office/mac/drawingml/2011/main" xmlns="" val="1"/>
             </a:ext>
           </a:extLst>
         </p:spPr>
@@ -5180,14 +5667,14 @@
           </a:ln>
           <a:extLst>
             <a:ext uri="{909E8E84-426E-40dd-AFC4-6F175D3DCCD1}">
-              <a14:hiddenFill xmlns="" xmlns:a14="http://schemas.microsoft.com/office/drawing/2010/main">
+              <a14:hiddenFill xmlns:a14="http://schemas.microsoft.com/office/drawing/2010/main" xmlns="">
                 <a:solidFill>
                   <a:srgbClr val="FFFFFF"/>
                 </a:solidFill>
               </a14:hiddenFill>
             </a:ext>
             <a:ext uri="{91240B29-F687-4f45-9708-019B960494DF}">
-              <a14:hiddenLine xmlns="" xmlns:a14="http://schemas.microsoft.com/office/drawing/2010/main" w="9525">
+              <a14:hiddenLine xmlns:a14="http://schemas.microsoft.com/office/drawing/2010/main" xmlns="" w="9525">
                 <a:solidFill>
                   <a:srgbClr val="000000"/>
                 </a:solidFill>
@@ -5197,7 +5684,7 @@
               </a14:hiddenLine>
             </a:ext>
             <a:ext uri="{FAA26D3D-D897-4be2-8F04-BA451C77F1D7}">
-              <ma14:placeholderFlag xmlns="" xmlns:ma14="http://schemas.microsoft.com/office/mac/drawingml/2011/main" val="1"/>
+              <ma14:placeholderFlag xmlns:ma14="http://schemas.microsoft.com/office/mac/drawingml/2011/main" xmlns="" val="1"/>
             </a:ext>
           </a:extLst>
         </p:spPr>
@@ -5447,14 +5934,14 @@
           </a:ln>
           <a:extLst>
             <a:ext uri="{909E8E84-426E-40dd-AFC4-6F175D3DCCD1}">
-              <a14:hiddenFill xmlns="" xmlns:a14="http://schemas.microsoft.com/office/drawing/2010/main">
+              <a14:hiddenFill xmlns:a14="http://schemas.microsoft.com/office/drawing/2010/main" xmlns="">
                 <a:solidFill>
                   <a:srgbClr val="FFFFFF"/>
                 </a:solidFill>
               </a14:hiddenFill>
             </a:ext>
             <a:ext uri="{91240B29-F687-4f45-9708-019B960494DF}">
-              <a14:hiddenLine xmlns="" xmlns:a14="http://schemas.microsoft.com/office/drawing/2010/main" w="9525">
+              <a14:hiddenLine xmlns:a14="http://schemas.microsoft.com/office/drawing/2010/main" xmlns="" w="9525">
                 <a:solidFill>
                   <a:srgbClr val="000000"/>
                 </a:solidFill>
@@ -5464,7 +5951,7 @@
               </a14:hiddenLine>
             </a:ext>
             <a:ext uri="{FAA26D3D-D897-4be2-8F04-BA451C77F1D7}">
-              <ma14:placeholderFlag xmlns="" xmlns:ma14="http://schemas.microsoft.com/office/mac/drawingml/2011/main" val="1"/>
+              <ma14:placeholderFlag xmlns:ma14="http://schemas.microsoft.com/office/mac/drawingml/2011/main" xmlns="" val="1"/>
             </a:ext>
           </a:extLst>
         </p:spPr>
@@ -6716,8 +7203,8 @@
           </a:p>
         </p:txBody>
       </p:sp>
-      <mc:AlternateContent xmlns:mc="http://schemas.openxmlformats.org/markup-compatibility/2006">
-        <mc:Choice xmlns:a14="http://schemas.microsoft.com/office/drawing/2010/main" Requires="a14">
+      <mc:AlternateContent xmlns:mc="http://schemas.openxmlformats.org/markup-compatibility/2006" xmlns:a14="http://schemas.microsoft.com/office/drawing/2010/main">
+        <mc:Choice Requires="a14">
           <p:sp>
             <p:nvSpPr>
               <p:cNvPr id="3" name="Content Placeholder 2">
@@ -6826,7 +7313,7 @@
             </p:txBody>
           </p:sp>
         </mc:Choice>
-        <mc:Fallback>
+        <mc:Fallback xmlns="">
           <p:sp>
             <p:nvSpPr>
               <p:cNvPr id="3" name="Content Placeholder 2">
@@ -6994,7 +7481,7 @@
         <p:spPr>
           <a:xfrm>
             <a:off x="1279683" y="1492029"/>
-            <a:ext cx="6584634" cy="2159442"/>
+            <a:ext cx="6584634" cy="3242934"/>
           </a:xfrm>
         </p:spPr>
         <p:txBody>
@@ -7004,7 +7491,47 @@
           <a:lstStyle/>
           <a:p>
             <a:r>
-              <a:rPr lang="fr-FR" sz="2400" dirty="0">
+              <a:rPr lang="fr-FR" sz="2000" dirty="0">
+                <a:solidFill>
+                  <a:srgbClr val="404040"/>
+                </a:solidFill>
+              </a:rPr>
+              <a:t>Choix de l’avion</a:t>
+            </a:r>
+          </a:p>
+          <a:p>
+            <a:r>
+              <a:rPr lang="fr-FR" sz="2000" dirty="0">
+                <a:solidFill>
+                  <a:srgbClr val="404040"/>
+                </a:solidFill>
+              </a:rPr>
+              <a:t>Choix de la manœuvre</a:t>
+            </a:r>
+          </a:p>
+          <a:p>
+            <a:r>
+              <a:rPr lang="fr-FR" sz="2000" dirty="0">
+                <a:solidFill>
+                  <a:srgbClr val="404040"/>
+                </a:solidFill>
+              </a:rPr>
+              <a:t>Filtre initial</a:t>
+            </a:r>
+          </a:p>
+          <a:p>
+            <a:pPr marL="0" indent="0">
+              <a:buNone/>
+            </a:pPr>
+            <a:endParaRPr lang="fr-FR" sz="2000" dirty="0">
+              <a:solidFill>
+                <a:srgbClr val="404040"/>
+              </a:solidFill>
+            </a:endParaRPr>
+          </a:p>
+          <a:p>
+            <a:r>
+              <a:rPr lang="fr-FR" sz="2000" dirty="0">
                 <a:solidFill>
                   <a:srgbClr val="404040"/>
                 </a:solidFill>
@@ -7014,18 +7541,18 @@
           </a:p>
           <a:p>
             <a:r>
-              <a:rPr lang="fr-FR" sz="2400" dirty="0">
+              <a:rPr lang="fr-FR" sz="2000" dirty="0">
                 <a:solidFill>
                   <a:srgbClr val="404040"/>
                 </a:solidFill>
               </a:rPr>
-              <a:t>Trois paramètres : </a:t>
+              <a:t>Deux paramètres : </a:t>
             </a:r>
           </a:p>
           <a:p>
             <a:pPr lvl="1"/>
             <a:r>
-              <a:rPr lang="fr-FR" sz="2400" dirty="0">
+              <a:rPr lang="fr-FR" sz="2000" dirty="0">
                 <a:solidFill>
                   <a:srgbClr val="404040"/>
                 </a:solidFill>
@@ -7036,23 +7563,12 @@
           <a:p>
             <a:pPr lvl="1"/>
             <a:r>
-              <a:rPr lang="fr-FR" sz="2400" dirty="0">
+              <a:rPr lang="fr-FR" sz="2000" dirty="0">
                 <a:solidFill>
                   <a:srgbClr val="404040"/>
                 </a:solidFill>
               </a:rPr>
               <a:t>Borne</a:t>
-            </a:r>
-          </a:p>
-          <a:p>
-            <a:pPr lvl="1"/>
-            <a:r>
-              <a:rPr lang="fr-FR" sz="2400" dirty="0">
-                <a:solidFill>
-                  <a:srgbClr val="404040"/>
-                </a:solidFill>
-              </a:rPr>
-              <a:t>Application d’un filtre initial</a:t>
             </a:r>
           </a:p>
           <a:p>
@@ -7067,50 +7583,10 @@
           </a:p>
         </p:txBody>
       </p:sp>
-      <p:sp>
-        <p:nvSpPr>
-          <p:cNvPr id="7" name="Espace réservé du numéro de diapositive 6">
-            <a:extLst>
-              <a:ext uri="{FF2B5EF4-FFF2-40B4-BE49-F238E27FC236}">
-                <a16:creationId xmlns:a16="http://schemas.microsoft.com/office/drawing/2014/main" id="{8E47864C-2A7F-6849-94BC-F03C9F63F147}"/>
-              </a:ext>
-            </a:extLst>
-          </p:cNvPr>
-          <p:cNvSpPr>
-            <a:spLocks noGrp="1"/>
-          </p:cNvSpPr>
-          <p:nvPr>
-            <p:ph type="sldNum" sz="quarter" idx="12"/>
-          </p:nvPr>
-        </p:nvSpPr>
-        <p:spPr>
-          <a:xfrm>
-            <a:off x="6407922" y="4656014"/>
-            <a:ext cx="2133600" cy="273844"/>
-          </a:xfrm>
-        </p:spPr>
-        <p:txBody>
-          <a:bodyPr/>
-          <a:lstStyle/>
-          <a:p>
-            <a:pPr>
-              <a:defRPr/>
-            </a:pPr>
-            <a:fld id="{A8EDAB28-6F4F-3F46-8345-72B53CB55CCC}" type="slidenum">
-              <a:rPr lang="fr-FR" smtClean="0"/>
-              <a:pPr>
-                <a:defRPr/>
-              </a:pPr>
-              <a:t>13</a:t>
-            </a:fld>
-            <a:endParaRPr lang="fr-FR" dirty="0"/>
-          </a:p>
-        </p:txBody>
-      </p:sp>
     </p:spTree>
     <p:extLst>
       <p:ext uri="{BB962C8B-B14F-4D97-AF65-F5344CB8AC3E}">
-        <p14:creationId xmlns:p14="http://schemas.microsoft.com/office/powerpoint/2010/main" val="457789343"/>
+        <p14:creationId xmlns:p14="http://schemas.microsoft.com/office/powerpoint/2010/main" val="1788893886"/>
       </p:ext>
     </p:extLst>
   </p:cSld>
@@ -7241,7 +7717,7 @@
           <p:nvPr/>
         </p:nvPicPr>
         <p:blipFill>
-          <a:blip r:embed="rId2"/>
+          <a:blip r:embed="rId3"/>
           <a:stretch>
             <a:fillRect/>
           </a:stretch>
@@ -7249,7 +7725,7 @@
         <p:spPr>
           <a:xfrm>
             <a:off x="457200" y="1883657"/>
-            <a:ext cx="3711388" cy="2418280"/>
+            <a:ext cx="3711388" cy="2280937"/>
           </a:xfrm>
           <a:prstGeom prst="rect">
             <a:avLst/>
@@ -7271,7 +7747,7 @@
           <p:nvPr/>
         </p:nvPicPr>
         <p:blipFill>
-          <a:blip r:embed="rId3"/>
+          <a:blip r:embed="rId4"/>
           <a:stretch>
             <a:fillRect/>
           </a:stretch>
@@ -7279,57 +7755,17 @@
         <p:spPr>
           <a:xfrm>
             <a:off x="4786498" y="1883657"/>
-            <a:ext cx="4281301" cy="2418280"/>
+            <a:ext cx="4281301" cy="2280937"/>
           </a:xfrm>
           <a:prstGeom prst="rect">
             <a:avLst/>
           </a:prstGeom>
         </p:spPr>
       </p:pic>
-      <p:sp>
-        <p:nvSpPr>
-          <p:cNvPr id="10" name="Espace réservé du numéro de diapositive 9">
-            <a:extLst>
-              <a:ext uri="{FF2B5EF4-FFF2-40B4-BE49-F238E27FC236}">
-                <a16:creationId xmlns:a16="http://schemas.microsoft.com/office/drawing/2014/main" id="{511E4B91-BA0C-2C4D-92BE-79F818358E9C}"/>
-              </a:ext>
-            </a:extLst>
-          </p:cNvPr>
-          <p:cNvSpPr>
-            <a:spLocks noGrp="1"/>
-          </p:cNvSpPr>
-          <p:nvPr>
-            <p:ph type="sldNum" sz="quarter" idx="12"/>
-          </p:nvPr>
-        </p:nvSpPr>
-        <p:spPr>
-          <a:xfrm>
-            <a:off x="6382285" y="4613627"/>
-            <a:ext cx="2133600" cy="273844"/>
-          </a:xfrm>
-        </p:spPr>
-        <p:txBody>
-          <a:bodyPr/>
-          <a:lstStyle/>
-          <a:p>
-            <a:pPr>
-              <a:defRPr/>
-            </a:pPr>
-            <a:fld id="{719C5602-1848-C94F-968D-A50F635B5EDF}" type="slidenum">
-              <a:rPr lang="fr-FR" smtClean="0"/>
-              <a:pPr>
-                <a:defRPr/>
-              </a:pPr>
-              <a:t>14</a:t>
-            </a:fld>
-            <a:endParaRPr lang="fr-FR"/>
-          </a:p>
-        </p:txBody>
-      </p:sp>
     </p:spTree>
     <p:extLst>
       <p:ext uri="{BB962C8B-B14F-4D97-AF65-F5344CB8AC3E}">
-        <p14:creationId xmlns:p14="http://schemas.microsoft.com/office/powerpoint/2010/main" val="4157652859"/>
+        <p14:creationId xmlns:p14="http://schemas.microsoft.com/office/powerpoint/2010/main" val="883042458"/>
       </p:ext>
     </p:extLst>
   </p:cSld>
@@ -7443,62 +7879,12 @@
               </a:solidFill>
             </a:endParaRPr>
           </a:p>
-          <a:p>
-            <a:r>
-              <a:rPr lang="fr-FR" sz="2800" dirty="0">
-                <a:solidFill>
-                  <a:srgbClr val="404040"/>
-                </a:solidFill>
-              </a:rPr>
-              <a:t>Notre regard sur ce projet</a:t>
-            </a:r>
-          </a:p>
-        </p:txBody>
-      </p:sp>
-      <p:sp>
-        <p:nvSpPr>
-          <p:cNvPr id="7" name="Espace réservé du numéro de diapositive 6">
-            <a:extLst>
-              <a:ext uri="{FF2B5EF4-FFF2-40B4-BE49-F238E27FC236}">
-                <a16:creationId xmlns:a16="http://schemas.microsoft.com/office/drawing/2014/main" id="{01B6ECE7-30C7-C249-9F41-AF60AEB0D445}"/>
-              </a:ext>
-            </a:extLst>
-          </p:cNvPr>
-          <p:cNvSpPr>
-            <a:spLocks noGrp="1"/>
-          </p:cNvSpPr>
-          <p:nvPr>
-            <p:ph type="sldNum" sz="quarter" idx="12"/>
-          </p:nvPr>
-        </p:nvSpPr>
-        <p:spPr>
-          <a:xfrm>
-            <a:off x="6403848" y="4656014"/>
-            <a:ext cx="2133600" cy="273844"/>
-          </a:xfrm>
-        </p:spPr>
-        <p:txBody>
-          <a:bodyPr/>
-          <a:lstStyle/>
-          <a:p>
-            <a:pPr>
-              <a:defRPr/>
-            </a:pPr>
-            <a:fld id="{A8EDAB28-6F4F-3F46-8345-72B53CB55CCC}" type="slidenum">
-              <a:rPr lang="fr-FR" smtClean="0"/>
-              <a:pPr>
-                <a:defRPr/>
-              </a:pPr>
-              <a:t>15</a:t>
-            </a:fld>
-            <a:endParaRPr lang="fr-FR"/>
-          </a:p>
         </p:txBody>
       </p:sp>
     </p:spTree>
     <p:extLst>
       <p:ext uri="{BB962C8B-B14F-4D97-AF65-F5344CB8AC3E}">
-        <p14:creationId xmlns:p14="http://schemas.microsoft.com/office/powerpoint/2010/main" val="3829534061"/>
+        <p14:creationId xmlns:p14="http://schemas.microsoft.com/office/powerpoint/2010/main" val="34069498"/>
       </p:ext>
     </p:extLst>
   </p:cSld>
@@ -10386,14 +10772,14 @@
           </a:ln>
           <a:extLst>
             <a:ext uri="{909E8E84-426E-40dd-AFC4-6F175D3DCCD1}">
-              <a14:hiddenFill xmlns="" xmlns:a14="http://schemas.microsoft.com/office/drawing/2010/main">
+              <a14:hiddenFill xmlns:a14="http://schemas.microsoft.com/office/drawing/2010/main" xmlns="">
                 <a:solidFill>
                   <a:srgbClr val="FFFFFF"/>
                 </a:solidFill>
               </a14:hiddenFill>
             </a:ext>
             <a:ext uri="{91240B29-F687-4f45-9708-019B960494DF}">
-              <a14:hiddenLine xmlns="" xmlns:a14="http://schemas.microsoft.com/office/drawing/2010/main" w="9525">
+              <a14:hiddenLine xmlns:a14="http://schemas.microsoft.com/office/drawing/2010/main" xmlns="" w="9525">
                 <a:solidFill>
                   <a:srgbClr val="000000"/>
                 </a:solidFill>
@@ -10403,7 +10789,7 @@
               </a14:hiddenLine>
             </a:ext>
             <a:ext uri="{FAA26D3D-D897-4be2-8F04-BA451C77F1D7}">
-              <ma14:placeholderFlag xmlns="" xmlns:ma14="http://schemas.microsoft.com/office/mac/drawingml/2011/main" val="1"/>
+              <ma14:placeholderFlag xmlns:ma14="http://schemas.microsoft.com/office/mac/drawingml/2011/main" xmlns="" val="1"/>
             </a:ext>
           </a:extLst>
         </p:spPr>
@@ -11120,14 +11506,14 @@
           </a:ln>
           <a:extLst>
             <a:ext uri="{909E8E84-426E-40dd-AFC4-6F175D3DCCD1}">
-              <a14:hiddenFill xmlns="" xmlns:a14="http://schemas.microsoft.com/office/drawing/2010/main">
+              <a14:hiddenFill xmlns:a14="http://schemas.microsoft.com/office/drawing/2010/main" xmlns="">
                 <a:solidFill>
                   <a:srgbClr val="FFFFFF"/>
                 </a:solidFill>
               </a14:hiddenFill>
             </a:ext>
             <a:ext uri="{91240B29-F687-4f45-9708-019B960494DF}">
-              <a14:hiddenLine xmlns="" xmlns:a14="http://schemas.microsoft.com/office/drawing/2010/main" w="9525">
+              <a14:hiddenLine xmlns:a14="http://schemas.microsoft.com/office/drawing/2010/main" xmlns="" w="9525">
                 <a:solidFill>
                   <a:srgbClr val="000000"/>
                 </a:solidFill>
@@ -11137,7 +11523,7 @@
               </a14:hiddenLine>
             </a:ext>
             <a:ext uri="{FAA26D3D-D897-4be2-8F04-BA451C77F1D7}">
-              <ma14:placeholderFlag xmlns="" xmlns:ma14="http://schemas.microsoft.com/office/mac/drawingml/2011/main" val="1"/>
+              <ma14:placeholderFlag xmlns:ma14="http://schemas.microsoft.com/office/mac/drawingml/2011/main" xmlns="" val="1"/>
             </a:ext>
           </a:extLst>
         </p:spPr>
@@ -11542,14 +11928,14 @@
           </a:ln>
           <a:extLst>
             <a:ext uri="{909E8E84-426E-40dd-AFC4-6F175D3DCCD1}">
-              <a14:hiddenFill xmlns="" xmlns:a14="http://schemas.microsoft.com/office/drawing/2010/main">
+              <a14:hiddenFill xmlns:a14="http://schemas.microsoft.com/office/drawing/2010/main" xmlns="">
                 <a:solidFill>
                   <a:srgbClr val="FFFFFF"/>
                 </a:solidFill>
               </a14:hiddenFill>
             </a:ext>
             <a:ext uri="{91240B29-F687-4f45-9708-019B960494DF}">
-              <a14:hiddenLine xmlns="" xmlns:a14="http://schemas.microsoft.com/office/drawing/2010/main" w="9525">
+              <a14:hiddenLine xmlns:a14="http://schemas.microsoft.com/office/drawing/2010/main" xmlns="" w="9525">
                 <a:solidFill>
                   <a:srgbClr val="000000"/>
                 </a:solidFill>
@@ -11559,7 +11945,7 @@
               </a14:hiddenLine>
             </a:ext>
             <a:ext uri="{FAA26D3D-D897-4be2-8F04-BA451C77F1D7}">
-              <ma14:placeholderFlag xmlns="" xmlns:ma14="http://schemas.microsoft.com/office/mac/drawingml/2011/main" val="1"/>
+              <ma14:placeholderFlag xmlns:ma14="http://schemas.microsoft.com/office/mac/drawingml/2011/main" xmlns="" val="1"/>
             </a:ext>
           </a:extLst>
         </p:spPr>

--- a/presentation.pptx
+++ b/presentation.pptx
@@ -3747,14 +3747,14 @@
           </a:ln>
           <a:extLst>
             <a:ext uri="{909E8E84-426E-40dd-AFC4-6F175D3DCCD1}">
-              <a14:hiddenFill xmlns="" xmlns:a14="http://schemas.microsoft.com/office/drawing/2010/main">
+              <a14:hiddenFill xmlns:a14="http://schemas.microsoft.com/office/drawing/2010/main" xmlns="">
                 <a:solidFill>
                   <a:srgbClr val="FFFFFF"/>
                 </a:solidFill>
               </a14:hiddenFill>
             </a:ext>
             <a:ext uri="{91240B29-F687-4f45-9708-019B960494DF}">
-              <a14:hiddenLine xmlns="" xmlns:a14="http://schemas.microsoft.com/office/drawing/2010/main" w="9525">
+              <a14:hiddenLine xmlns:a14="http://schemas.microsoft.com/office/drawing/2010/main" xmlns="" w="9525">
                 <a:solidFill>
                   <a:srgbClr val="000000"/>
                 </a:solidFill>
@@ -3764,7 +3764,7 @@
               </a14:hiddenLine>
             </a:ext>
             <a:ext uri="{FAA26D3D-D897-4be2-8F04-BA451C77F1D7}">
-              <ma14:placeholderFlag xmlns="" xmlns:ma14="http://schemas.microsoft.com/office/mac/drawingml/2011/main" val="1"/>
+              <ma14:placeholderFlag xmlns:ma14="http://schemas.microsoft.com/office/mac/drawingml/2011/main" xmlns="" val="1"/>
             </a:ext>
           </a:extLst>
         </p:spPr>
@@ -3808,14 +3808,14 @@
           </a:ln>
           <a:extLst>
             <a:ext uri="{909E8E84-426E-40dd-AFC4-6F175D3DCCD1}">
-              <a14:hiddenFill xmlns="" xmlns:a14="http://schemas.microsoft.com/office/drawing/2010/main">
+              <a14:hiddenFill xmlns:a14="http://schemas.microsoft.com/office/drawing/2010/main" xmlns="">
                 <a:solidFill>
                   <a:srgbClr val="FFFFFF"/>
                 </a:solidFill>
               </a14:hiddenFill>
             </a:ext>
             <a:ext uri="{91240B29-F687-4f45-9708-019B960494DF}">
-              <a14:hiddenLine xmlns="" xmlns:a14="http://schemas.microsoft.com/office/drawing/2010/main" w="9525">
+              <a14:hiddenLine xmlns:a14="http://schemas.microsoft.com/office/drawing/2010/main" xmlns="" w="9525">
                 <a:solidFill>
                   <a:srgbClr val="000000"/>
                 </a:solidFill>
@@ -3825,7 +3825,7 @@
               </a14:hiddenLine>
             </a:ext>
             <a:ext uri="{FAA26D3D-D897-4be2-8F04-BA451C77F1D7}">
-              <ma14:placeholderFlag xmlns="" xmlns:ma14="http://schemas.microsoft.com/office/mac/drawingml/2011/main" val="1"/>
+              <ma14:placeholderFlag xmlns:ma14="http://schemas.microsoft.com/office/mac/drawingml/2011/main" xmlns="" val="1"/>
             </a:ext>
           </a:extLst>
         </p:spPr>
@@ -4840,14 +4840,14 @@
           </a:ln>
           <a:extLst>
             <a:ext uri="{909E8E84-426E-40dd-AFC4-6F175D3DCCD1}">
-              <a14:hiddenFill xmlns:a14="http://schemas.microsoft.com/office/drawing/2010/main" xmlns="">
+              <a14:hiddenFill xmlns="" xmlns:a14="http://schemas.microsoft.com/office/drawing/2010/main">
                 <a:solidFill>
                   <a:srgbClr val="FFFFFF"/>
                 </a:solidFill>
               </a14:hiddenFill>
             </a:ext>
             <a:ext uri="{91240B29-F687-4f45-9708-019B960494DF}">
-              <a14:hiddenLine xmlns:a14="http://schemas.microsoft.com/office/drawing/2010/main" xmlns="" w="9525">
+              <a14:hiddenLine xmlns="" xmlns:a14="http://schemas.microsoft.com/office/drawing/2010/main" w="9525">
                 <a:solidFill>
                   <a:srgbClr val="000000"/>
                 </a:solidFill>
@@ -4857,7 +4857,7 @@
               </a14:hiddenLine>
             </a:ext>
             <a:ext uri="{FAA26D3D-D897-4be2-8F04-BA451C77F1D7}">
-              <ma14:placeholderFlag xmlns:ma14="http://schemas.microsoft.com/office/mac/drawingml/2011/main" xmlns="" val="1"/>
+              <ma14:placeholderFlag xmlns="" xmlns:ma14="http://schemas.microsoft.com/office/mac/drawingml/2011/main" val="1"/>
             </a:ext>
           </a:extLst>
         </p:spPr>
@@ -5099,14 +5099,14 @@
           </a:ln>
           <a:extLst>
             <a:ext uri="{909E8E84-426E-40dd-AFC4-6F175D3DCCD1}">
-              <a14:hiddenFill xmlns:a14="http://schemas.microsoft.com/office/drawing/2010/main" xmlns="">
+              <a14:hiddenFill xmlns="" xmlns:a14="http://schemas.microsoft.com/office/drawing/2010/main">
                 <a:solidFill>
                   <a:srgbClr val="FFFFFF"/>
                 </a:solidFill>
               </a14:hiddenFill>
             </a:ext>
             <a:ext uri="{91240B29-F687-4f45-9708-019B960494DF}">
-              <a14:hiddenLine xmlns:a14="http://schemas.microsoft.com/office/drawing/2010/main" xmlns="" w="9525">
+              <a14:hiddenLine xmlns="" xmlns:a14="http://schemas.microsoft.com/office/drawing/2010/main" w="9525">
                 <a:solidFill>
                   <a:srgbClr val="000000"/>
                 </a:solidFill>
@@ -5116,7 +5116,7 @@
               </a14:hiddenLine>
             </a:ext>
             <a:ext uri="{FAA26D3D-D897-4be2-8F04-BA451C77F1D7}">
-              <ma14:placeholderFlag xmlns:ma14="http://schemas.microsoft.com/office/mac/drawingml/2011/main" xmlns="" val="1"/>
+              <ma14:placeholderFlag xmlns="" xmlns:ma14="http://schemas.microsoft.com/office/mac/drawingml/2011/main" val="1"/>
             </a:ext>
           </a:extLst>
         </p:spPr>
@@ -5400,14 +5400,14 @@
           </a:ln>
           <a:extLst>
             <a:ext uri="{909E8E84-426E-40dd-AFC4-6F175D3DCCD1}">
-              <a14:hiddenFill xmlns:a14="http://schemas.microsoft.com/office/drawing/2010/main" xmlns="">
+              <a14:hiddenFill xmlns="" xmlns:a14="http://schemas.microsoft.com/office/drawing/2010/main">
                 <a:solidFill>
                   <a:srgbClr val="FFFFFF"/>
                 </a:solidFill>
               </a14:hiddenFill>
             </a:ext>
             <a:ext uri="{91240B29-F687-4f45-9708-019B960494DF}">
-              <a14:hiddenLine xmlns:a14="http://schemas.microsoft.com/office/drawing/2010/main" xmlns="" w="9525">
+              <a14:hiddenLine xmlns="" xmlns:a14="http://schemas.microsoft.com/office/drawing/2010/main" w="9525">
                 <a:solidFill>
                   <a:srgbClr val="000000"/>
                 </a:solidFill>
@@ -5417,7 +5417,7 @@
               </a14:hiddenLine>
             </a:ext>
             <a:ext uri="{FAA26D3D-D897-4be2-8F04-BA451C77F1D7}">
-              <ma14:placeholderFlag xmlns:ma14="http://schemas.microsoft.com/office/mac/drawingml/2011/main" xmlns="" val="1"/>
+              <ma14:placeholderFlag xmlns="" xmlns:ma14="http://schemas.microsoft.com/office/mac/drawingml/2011/main" val="1"/>
             </a:ext>
           </a:extLst>
         </p:spPr>
@@ -5667,14 +5667,14 @@
           </a:ln>
           <a:extLst>
             <a:ext uri="{909E8E84-426E-40dd-AFC4-6F175D3DCCD1}">
-              <a14:hiddenFill xmlns:a14="http://schemas.microsoft.com/office/drawing/2010/main" xmlns="">
+              <a14:hiddenFill xmlns="" xmlns:a14="http://schemas.microsoft.com/office/drawing/2010/main">
                 <a:solidFill>
                   <a:srgbClr val="FFFFFF"/>
                 </a:solidFill>
               </a14:hiddenFill>
             </a:ext>
             <a:ext uri="{91240B29-F687-4f45-9708-019B960494DF}">
-              <a14:hiddenLine xmlns:a14="http://schemas.microsoft.com/office/drawing/2010/main" xmlns="" w="9525">
+              <a14:hiddenLine xmlns="" xmlns:a14="http://schemas.microsoft.com/office/drawing/2010/main" w="9525">
                 <a:solidFill>
                   <a:srgbClr val="000000"/>
                 </a:solidFill>
@@ -5684,7 +5684,7 @@
               </a14:hiddenLine>
             </a:ext>
             <a:ext uri="{FAA26D3D-D897-4be2-8F04-BA451C77F1D7}">
-              <ma14:placeholderFlag xmlns:ma14="http://schemas.microsoft.com/office/mac/drawingml/2011/main" xmlns="" val="1"/>
+              <ma14:placeholderFlag xmlns="" xmlns:ma14="http://schemas.microsoft.com/office/mac/drawingml/2011/main" val="1"/>
             </a:ext>
           </a:extLst>
         </p:spPr>
@@ -5934,14 +5934,14 @@
           </a:ln>
           <a:extLst>
             <a:ext uri="{909E8E84-426E-40dd-AFC4-6F175D3DCCD1}">
-              <a14:hiddenFill xmlns:a14="http://schemas.microsoft.com/office/drawing/2010/main" xmlns="">
+              <a14:hiddenFill xmlns="" xmlns:a14="http://schemas.microsoft.com/office/drawing/2010/main">
                 <a:solidFill>
                   <a:srgbClr val="FFFFFF"/>
                 </a:solidFill>
               </a14:hiddenFill>
             </a:ext>
             <a:ext uri="{91240B29-F687-4f45-9708-019B960494DF}">
-              <a14:hiddenLine xmlns:a14="http://schemas.microsoft.com/office/drawing/2010/main" xmlns="" w="9525">
+              <a14:hiddenLine xmlns="" xmlns:a14="http://schemas.microsoft.com/office/drawing/2010/main" w="9525">
                 <a:solidFill>
                   <a:srgbClr val="000000"/>
                 </a:solidFill>
@@ -5951,7 +5951,7 @@
               </a14:hiddenLine>
             </a:ext>
             <a:ext uri="{FAA26D3D-D897-4be2-8F04-BA451C77F1D7}">
-              <ma14:placeholderFlag xmlns:ma14="http://schemas.microsoft.com/office/mac/drawingml/2011/main" xmlns="" val="1"/>
+              <ma14:placeholderFlag xmlns="" xmlns:ma14="http://schemas.microsoft.com/office/mac/drawingml/2011/main" val="1"/>
             </a:ext>
           </a:extLst>
         </p:spPr>
@@ -7583,6 +7583,46 @@
           </a:p>
         </p:txBody>
       </p:sp>
+      <p:sp>
+        <p:nvSpPr>
+          <p:cNvPr id="4" name="Espace réservé du numéro de diapositive 6">
+            <a:extLst>
+              <a:ext uri="{FF2B5EF4-FFF2-40B4-BE49-F238E27FC236}">
+                <a16:creationId xmlns:a16="http://schemas.microsoft.com/office/drawing/2014/main" id="{C5823058-B5A4-9C4B-B9E2-FB1FEDEEAFEB}"/>
+              </a:ext>
+            </a:extLst>
+          </p:cNvPr>
+          <p:cNvSpPr>
+            <a:spLocks noGrp="1"/>
+          </p:cNvSpPr>
+          <p:nvPr>
+            <p:ph type="sldNum" sz="quarter" idx="12"/>
+          </p:nvPr>
+        </p:nvSpPr>
+        <p:spPr>
+          <a:xfrm>
+            <a:off x="6403848" y="4656014"/>
+            <a:ext cx="2133600" cy="273844"/>
+          </a:xfrm>
+        </p:spPr>
+        <p:txBody>
+          <a:bodyPr/>
+          <a:lstStyle/>
+          <a:p>
+            <a:pPr>
+              <a:defRPr/>
+            </a:pPr>
+            <a:fld id="{A8EDAB28-6F4F-3F46-8345-72B53CB55CCC}" type="slidenum">
+              <a:rPr lang="fr-FR" smtClean="0"/>
+              <a:pPr>
+                <a:defRPr/>
+              </a:pPr>
+              <a:t>13</a:t>
+            </a:fld>
+            <a:endParaRPr lang="fr-FR" dirty="0"/>
+          </a:p>
+        </p:txBody>
+      </p:sp>
     </p:spTree>
     <p:extLst>
       <p:ext uri="{BB962C8B-B14F-4D97-AF65-F5344CB8AC3E}">
@@ -7762,6 +7802,46 @@
           </a:prstGeom>
         </p:spPr>
       </p:pic>
+      <p:sp>
+        <p:nvSpPr>
+          <p:cNvPr id="8" name="Espace réservé du numéro de diapositive 6">
+            <a:extLst>
+              <a:ext uri="{FF2B5EF4-FFF2-40B4-BE49-F238E27FC236}">
+                <a16:creationId xmlns:a16="http://schemas.microsoft.com/office/drawing/2014/main" id="{10229F47-DF6C-774A-8601-2A510523BAF0}"/>
+              </a:ext>
+            </a:extLst>
+          </p:cNvPr>
+          <p:cNvSpPr>
+            <a:spLocks noGrp="1"/>
+          </p:cNvSpPr>
+          <p:nvPr>
+            <p:ph type="sldNum" sz="quarter" idx="12"/>
+          </p:nvPr>
+        </p:nvSpPr>
+        <p:spPr>
+          <a:xfrm>
+            <a:off x="6403848" y="4656014"/>
+            <a:ext cx="2133600" cy="273844"/>
+          </a:xfrm>
+        </p:spPr>
+        <p:txBody>
+          <a:bodyPr/>
+          <a:lstStyle/>
+          <a:p>
+            <a:pPr>
+              <a:defRPr/>
+            </a:pPr>
+            <a:fld id="{A8EDAB28-6F4F-3F46-8345-72B53CB55CCC}" type="slidenum">
+              <a:rPr lang="fr-FR" smtClean="0"/>
+              <a:pPr>
+                <a:defRPr/>
+              </a:pPr>
+              <a:t>14</a:t>
+            </a:fld>
+            <a:endParaRPr lang="fr-FR" dirty="0"/>
+          </a:p>
+        </p:txBody>
+      </p:sp>
     </p:spTree>
     <p:extLst>
       <p:ext uri="{BB962C8B-B14F-4D97-AF65-F5344CB8AC3E}">
@@ -7881,6 +7961,46 @@
           </a:p>
         </p:txBody>
       </p:sp>
+      <p:sp>
+        <p:nvSpPr>
+          <p:cNvPr id="4" name="Espace réservé du numéro de diapositive 6">
+            <a:extLst>
+              <a:ext uri="{FF2B5EF4-FFF2-40B4-BE49-F238E27FC236}">
+                <a16:creationId xmlns:a16="http://schemas.microsoft.com/office/drawing/2014/main" id="{FAB311A4-8635-C246-9829-91D2568A841D}"/>
+              </a:ext>
+            </a:extLst>
+          </p:cNvPr>
+          <p:cNvSpPr>
+            <a:spLocks noGrp="1"/>
+          </p:cNvSpPr>
+          <p:nvPr>
+            <p:ph type="sldNum" sz="quarter" idx="12"/>
+          </p:nvPr>
+        </p:nvSpPr>
+        <p:spPr>
+          <a:xfrm>
+            <a:off x="6403848" y="4656014"/>
+            <a:ext cx="2133600" cy="273844"/>
+          </a:xfrm>
+        </p:spPr>
+        <p:txBody>
+          <a:bodyPr/>
+          <a:lstStyle/>
+          <a:p>
+            <a:pPr>
+              <a:defRPr/>
+            </a:pPr>
+            <a:fld id="{A8EDAB28-6F4F-3F46-8345-72B53CB55CCC}" type="slidenum">
+              <a:rPr lang="fr-FR" smtClean="0"/>
+              <a:pPr>
+                <a:defRPr/>
+              </a:pPr>
+              <a:t>15</a:t>
+            </a:fld>
+            <a:endParaRPr lang="fr-FR" dirty="0"/>
+          </a:p>
+        </p:txBody>
+      </p:sp>
     </p:spTree>
     <p:extLst>
       <p:ext uri="{BB962C8B-B14F-4D97-AF65-F5344CB8AC3E}">
@@ -10772,14 +10892,14 @@
           </a:ln>
           <a:extLst>
             <a:ext uri="{909E8E84-426E-40dd-AFC4-6F175D3DCCD1}">
-              <a14:hiddenFill xmlns:a14="http://schemas.microsoft.com/office/drawing/2010/main" xmlns="">
+              <a14:hiddenFill xmlns="" xmlns:a14="http://schemas.microsoft.com/office/drawing/2010/main">
                 <a:solidFill>
                   <a:srgbClr val="FFFFFF"/>
                 </a:solidFill>
               </a14:hiddenFill>
             </a:ext>
             <a:ext uri="{91240B29-F687-4f45-9708-019B960494DF}">
-              <a14:hiddenLine xmlns:a14="http://schemas.microsoft.com/office/drawing/2010/main" xmlns="" w="9525">
+              <a14:hiddenLine xmlns="" xmlns:a14="http://schemas.microsoft.com/office/drawing/2010/main" w="9525">
                 <a:solidFill>
                   <a:srgbClr val="000000"/>
                 </a:solidFill>
@@ -10789,7 +10909,7 @@
               </a14:hiddenLine>
             </a:ext>
             <a:ext uri="{FAA26D3D-D897-4be2-8F04-BA451C77F1D7}">
-              <ma14:placeholderFlag xmlns:ma14="http://schemas.microsoft.com/office/mac/drawingml/2011/main" xmlns="" val="1"/>
+              <ma14:placeholderFlag xmlns="" xmlns:ma14="http://schemas.microsoft.com/office/mac/drawingml/2011/main" val="1"/>
             </a:ext>
           </a:extLst>
         </p:spPr>
@@ -11506,14 +11626,14 @@
           </a:ln>
           <a:extLst>
             <a:ext uri="{909E8E84-426E-40dd-AFC4-6F175D3DCCD1}">
-              <a14:hiddenFill xmlns:a14="http://schemas.microsoft.com/office/drawing/2010/main" xmlns="">
+              <a14:hiddenFill xmlns="" xmlns:a14="http://schemas.microsoft.com/office/drawing/2010/main">
                 <a:solidFill>
                   <a:srgbClr val="FFFFFF"/>
                 </a:solidFill>
               </a14:hiddenFill>
             </a:ext>
             <a:ext uri="{91240B29-F687-4f45-9708-019B960494DF}">
-              <a14:hiddenLine xmlns:a14="http://schemas.microsoft.com/office/drawing/2010/main" xmlns="" w="9525">
+              <a14:hiddenLine xmlns="" xmlns:a14="http://schemas.microsoft.com/office/drawing/2010/main" w="9525">
                 <a:solidFill>
                   <a:srgbClr val="000000"/>
                 </a:solidFill>
@@ -11523,7 +11643,7 @@
               </a14:hiddenLine>
             </a:ext>
             <a:ext uri="{FAA26D3D-D897-4be2-8F04-BA451C77F1D7}">
-              <ma14:placeholderFlag xmlns:ma14="http://schemas.microsoft.com/office/mac/drawingml/2011/main" xmlns="" val="1"/>
+              <ma14:placeholderFlag xmlns="" xmlns:ma14="http://schemas.microsoft.com/office/mac/drawingml/2011/main" val="1"/>
             </a:ext>
           </a:extLst>
         </p:spPr>
@@ -11928,14 +12048,14 @@
           </a:ln>
           <a:extLst>
             <a:ext uri="{909E8E84-426E-40dd-AFC4-6F175D3DCCD1}">
-              <a14:hiddenFill xmlns:a14="http://schemas.microsoft.com/office/drawing/2010/main" xmlns="">
+              <a14:hiddenFill xmlns="" xmlns:a14="http://schemas.microsoft.com/office/drawing/2010/main">
                 <a:solidFill>
                   <a:srgbClr val="FFFFFF"/>
                 </a:solidFill>
               </a14:hiddenFill>
             </a:ext>
             <a:ext uri="{91240B29-F687-4f45-9708-019B960494DF}">
-              <a14:hiddenLine xmlns:a14="http://schemas.microsoft.com/office/drawing/2010/main" xmlns="" w="9525">
+              <a14:hiddenLine xmlns="" xmlns:a14="http://schemas.microsoft.com/office/drawing/2010/main" w="9525">
                 <a:solidFill>
                   <a:srgbClr val="000000"/>
                 </a:solidFill>
@@ -11945,7 +12065,7 @@
               </a14:hiddenLine>
             </a:ext>
             <a:ext uri="{FAA26D3D-D897-4be2-8F04-BA451C77F1D7}">
-              <ma14:placeholderFlag xmlns:ma14="http://schemas.microsoft.com/office/mac/drawingml/2011/main" xmlns="" val="1"/>
+              <ma14:placeholderFlag xmlns="" xmlns:ma14="http://schemas.microsoft.com/office/mac/drawingml/2011/main" val="1"/>
             </a:ext>
           </a:extLst>
         </p:spPr>
